--- a/Vehicle Routing Problem.pptx
+++ b/Vehicle Routing Problem.pptx
@@ -4,14 +4,21 @@
   <p:sldMasterIdLst>
     <p:sldMasterId id="2147483660" r:id="rId1"/>
   </p:sldMasterIdLst>
+  <p:notesMasterIdLst>
+    <p:notesMasterId r:id="rId13"/>
+  </p:notesMasterIdLst>
   <p:sldIdLst>
     <p:sldId id="256" r:id="rId2"/>
-    <p:sldId id="261" r:id="rId3"/>
-    <p:sldId id="257" r:id="rId4"/>
-    <p:sldId id="259" r:id="rId5"/>
-    <p:sldId id="260" r:id="rId6"/>
-    <p:sldId id="262" r:id="rId7"/>
-    <p:sldId id="258" r:id="rId8"/>
+    <p:sldId id="272" r:id="rId3"/>
+    <p:sldId id="268" r:id="rId4"/>
+    <p:sldId id="269" r:id="rId5"/>
+    <p:sldId id="270" r:id="rId6"/>
+    <p:sldId id="264" r:id="rId7"/>
+    <p:sldId id="265" r:id="rId8"/>
+    <p:sldId id="266" r:id="rId9"/>
+    <p:sldId id="267" r:id="rId10"/>
+    <p:sldId id="273" r:id="rId11"/>
+    <p:sldId id="258" r:id="rId12"/>
   </p:sldIdLst>
   <p:sldSz cx="12192000" cy="6858000"/>
   <p:notesSz cx="6858000" cy="9144000"/>
@@ -110,7 +117,576 @@
       </a:defRPr>
     </a:lvl9pPr>
   </p:defaultTextStyle>
+  <p:extLst>
+    <p:ext uri="{EFAFB233-063F-42B5-8137-9DF3F51BA10A}">
+      <p15:sldGuideLst xmlns:p15="http://schemas.microsoft.com/office/powerpoint/2012/main"/>
+    </p:ext>
+  </p:extLst>
 </p:presentation>
+</file>
+
+<file path=ppt/notesMasters/notesMaster1.xml><?xml version="1.0" encoding="utf-8"?>
+<p:notesMaster xmlns:a="http://schemas.openxmlformats.org/drawingml/2006/main" xmlns:r="http://schemas.openxmlformats.org/officeDocument/2006/relationships" xmlns:p="http://schemas.openxmlformats.org/presentationml/2006/main">
+  <p:cSld>
+    <p:bg>
+      <p:bgRef idx="1001">
+        <a:schemeClr val="bg1"/>
+      </p:bgRef>
+    </p:bg>
+    <p:spTree>
+      <p:nvGrpSpPr>
+        <p:cNvPr id="1" name=""/>
+        <p:cNvGrpSpPr/>
+        <p:nvPr/>
+      </p:nvGrpSpPr>
+      <p:grpSpPr>
+        <a:xfrm>
+          <a:off x="0" y="0"/>
+          <a:ext cx="0" cy="0"/>
+          <a:chOff x="0" y="0"/>
+          <a:chExt cx="0" cy="0"/>
+        </a:xfrm>
+      </p:grpSpPr>
+      <p:sp>
+        <p:nvSpPr>
+          <p:cNvPr id="2" name="Header Placeholder 1"/>
+          <p:cNvSpPr>
+            <a:spLocks noGrp="1"/>
+          </p:cNvSpPr>
+          <p:nvPr>
+            <p:ph type="hdr" sz="quarter"/>
+          </p:nvPr>
+        </p:nvSpPr>
+        <p:spPr>
+          <a:xfrm>
+            <a:off x="0" y="0"/>
+            <a:ext cx="2971800" cy="458788"/>
+          </a:xfrm>
+          <a:prstGeom prst="rect">
+            <a:avLst/>
+          </a:prstGeom>
+        </p:spPr>
+        <p:txBody>
+          <a:bodyPr vert="horz" lIns="91440" tIns="45720" rIns="91440" bIns="45720" rtlCol="0"/>
+          <a:lstStyle>
+            <a:lvl1pPr algn="l">
+              <a:defRPr sz="1200"/>
+            </a:lvl1pPr>
+          </a:lstStyle>
+          <a:p>
+            <a:endParaRPr lang="en-US"/>
+          </a:p>
+        </p:txBody>
+      </p:sp>
+      <p:sp>
+        <p:nvSpPr>
+          <p:cNvPr id="3" name="Date Placeholder 2"/>
+          <p:cNvSpPr>
+            <a:spLocks noGrp="1"/>
+          </p:cNvSpPr>
+          <p:nvPr>
+            <p:ph type="dt" idx="1"/>
+          </p:nvPr>
+        </p:nvSpPr>
+        <p:spPr>
+          <a:xfrm>
+            <a:off x="3884613" y="0"/>
+            <a:ext cx="2971800" cy="458788"/>
+          </a:xfrm>
+          <a:prstGeom prst="rect">
+            <a:avLst/>
+          </a:prstGeom>
+        </p:spPr>
+        <p:txBody>
+          <a:bodyPr vert="horz" lIns="91440" tIns="45720" rIns="91440" bIns="45720" rtlCol="0"/>
+          <a:lstStyle>
+            <a:lvl1pPr algn="r">
+              <a:defRPr sz="1200"/>
+            </a:lvl1pPr>
+          </a:lstStyle>
+          <a:p>
+            <a:fld id="{A46728B4-860D-46BC-94B5-447A1A1073C7}" type="datetimeFigureOut">
+              <a:rPr lang="en-US" smtClean="0"/>
+              <a:t>05-Nov-17</a:t>
+            </a:fld>
+            <a:endParaRPr lang="en-US"/>
+          </a:p>
+        </p:txBody>
+      </p:sp>
+      <p:sp>
+        <p:nvSpPr>
+          <p:cNvPr id="4" name="Slide Image Placeholder 3"/>
+          <p:cNvSpPr>
+            <a:spLocks noGrp="1" noRot="1" noChangeAspect="1"/>
+          </p:cNvSpPr>
+          <p:nvPr>
+            <p:ph type="sldImg" idx="2"/>
+          </p:nvPr>
+        </p:nvSpPr>
+        <p:spPr>
+          <a:xfrm>
+            <a:off x="685800" y="1143000"/>
+            <a:ext cx="5486400" cy="3086100"/>
+          </a:xfrm>
+          <a:prstGeom prst="rect">
+            <a:avLst/>
+          </a:prstGeom>
+          <a:noFill/>
+          <a:ln w="12700">
+            <a:solidFill>
+              <a:prstClr val="black"/>
+            </a:solidFill>
+          </a:ln>
+        </p:spPr>
+        <p:txBody>
+          <a:bodyPr vert="horz" lIns="91440" tIns="45720" rIns="91440" bIns="45720" rtlCol="0" anchor="ctr"/>
+          <a:lstStyle/>
+          <a:p>
+            <a:endParaRPr lang="en-US"/>
+          </a:p>
+        </p:txBody>
+      </p:sp>
+      <p:sp>
+        <p:nvSpPr>
+          <p:cNvPr id="5" name="Notes Placeholder 4"/>
+          <p:cNvSpPr>
+            <a:spLocks noGrp="1"/>
+          </p:cNvSpPr>
+          <p:nvPr>
+            <p:ph type="body" sz="quarter" idx="3"/>
+          </p:nvPr>
+        </p:nvSpPr>
+        <p:spPr>
+          <a:xfrm>
+            <a:off x="685800" y="4400550"/>
+            <a:ext cx="5486400" cy="3600450"/>
+          </a:xfrm>
+          <a:prstGeom prst="rect">
+            <a:avLst/>
+          </a:prstGeom>
+        </p:spPr>
+        <p:txBody>
+          <a:bodyPr vert="horz" lIns="91440" tIns="45720" rIns="91440" bIns="45720" rtlCol="0"/>
+          <a:lstStyle/>
+          <a:p>
+            <a:pPr lvl="0"/>
+            <a:r>
+              <a:rPr lang="en-US" smtClean="0"/>
+              <a:t>Click to edit Master text styles</a:t>
+            </a:r>
+          </a:p>
+          <a:p>
+            <a:pPr lvl="1"/>
+            <a:r>
+              <a:rPr lang="en-US" smtClean="0"/>
+              <a:t>Second level</a:t>
+            </a:r>
+          </a:p>
+          <a:p>
+            <a:pPr lvl="2"/>
+            <a:r>
+              <a:rPr lang="en-US" smtClean="0"/>
+              <a:t>Third level</a:t>
+            </a:r>
+          </a:p>
+          <a:p>
+            <a:pPr lvl="3"/>
+            <a:r>
+              <a:rPr lang="en-US" smtClean="0"/>
+              <a:t>Fourth level</a:t>
+            </a:r>
+          </a:p>
+          <a:p>
+            <a:pPr lvl="4"/>
+            <a:r>
+              <a:rPr lang="en-US" smtClean="0"/>
+              <a:t>Fifth level</a:t>
+            </a:r>
+            <a:endParaRPr lang="en-US"/>
+          </a:p>
+        </p:txBody>
+      </p:sp>
+      <p:sp>
+        <p:nvSpPr>
+          <p:cNvPr id="6" name="Footer Placeholder 5"/>
+          <p:cNvSpPr>
+            <a:spLocks noGrp="1"/>
+          </p:cNvSpPr>
+          <p:nvPr>
+            <p:ph type="ftr" sz="quarter" idx="4"/>
+          </p:nvPr>
+        </p:nvSpPr>
+        <p:spPr>
+          <a:xfrm>
+            <a:off x="0" y="8685213"/>
+            <a:ext cx="2971800" cy="458787"/>
+          </a:xfrm>
+          <a:prstGeom prst="rect">
+            <a:avLst/>
+          </a:prstGeom>
+        </p:spPr>
+        <p:txBody>
+          <a:bodyPr vert="horz" lIns="91440" tIns="45720" rIns="91440" bIns="45720" rtlCol="0" anchor="b"/>
+          <a:lstStyle>
+            <a:lvl1pPr algn="l">
+              <a:defRPr sz="1200"/>
+            </a:lvl1pPr>
+          </a:lstStyle>
+          <a:p>
+            <a:endParaRPr lang="en-US"/>
+          </a:p>
+        </p:txBody>
+      </p:sp>
+      <p:sp>
+        <p:nvSpPr>
+          <p:cNvPr id="7" name="Slide Number Placeholder 6"/>
+          <p:cNvSpPr>
+            <a:spLocks noGrp="1"/>
+          </p:cNvSpPr>
+          <p:nvPr>
+            <p:ph type="sldNum" sz="quarter" idx="5"/>
+          </p:nvPr>
+        </p:nvSpPr>
+        <p:spPr>
+          <a:xfrm>
+            <a:off x="3884613" y="8685213"/>
+            <a:ext cx="2971800" cy="458787"/>
+          </a:xfrm>
+          <a:prstGeom prst="rect">
+            <a:avLst/>
+          </a:prstGeom>
+        </p:spPr>
+        <p:txBody>
+          <a:bodyPr vert="horz" lIns="91440" tIns="45720" rIns="91440" bIns="45720" rtlCol="0" anchor="b"/>
+          <a:lstStyle>
+            <a:lvl1pPr algn="r">
+              <a:defRPr sz="1200"/>
+            </a:lvl1pPr>
+          </a:lstStyle>
+          <a:p>
+            <a:fld id="{0FE1962D-B03F-4A9C-9946-0F7F1831F1ED}" type="slidenum">
+              <a:rPr lang="en-US" smtClean="0"/>
+              <a:t>‹#›</a:t>
+            </a:fld>
+            <a:endParaRPr lang="en-US"/>
+          </a:p>
+        </p:txBody>
+      </p:sp>
+    </p:spTree>
+    <p:extLst>
+      <p:ext uri="{BB962C8B-B14F-4D97-AF65-F5344CB8AC3E}">
+        <p14:creationId xmlns:p14="http://schemas.microsoft.com/office/powerpoint/2010/main" val="3683216658"/>
+      </p:ext>
+    </p:extLst>
+  </p:cSld>
+  <p:clrMap bg1="lt1" tx1="dk1" bg2="lt2" tx2="dk2" accent1="accent1" accent2="accent2" accent3="accent3" accent4="accent4" accent5="accent5" accent6="accent6" hlink="hlink" folHlink="folHlink"/>
+  <p:notesStyle>
+    <a:lvl1pPr marL="0" algn="l" defTabSz="914400" rtl="0" eaLnBrk="1" latinLnBrk="0" hangingPunct="1">
+      <a:defRPr sz="1200" kern="1200">
+        <a:solidFill>
+          <a:schemeClr val="tx1"/>
+        </a:solidFill>
+        <a:latin typeface="+mn-lt"/>
+        <a:ea typeface="+mn-ea"/>
+        <a:cs typeface="+mn-cs"/>
+      </a:defRPr>
+    </a:lvl1pPr>
+    <a:lvl2pPr marL="457200" algn="l" defTabSz="914400" rtl="0" eaLnBrk="1" latinLnBrk="0" hangingPunct="1">
+      <a:defRPr sz="1200" kern="1200">
+        <a:solidFill>
+          <a:schemeClr val="tx1"/>
+        </a:solidFill>
+        <a:latin typeface="+mn-lt"/>
+        <a:ea typeface="+mn-ea"/>
+        <a:cs typeface="+mn-cs"/>
+      </a:defRPr>
+    </a:lvl2pPr>
+    <a:lvl3pPr marL="914400" algn="l" defTabSz="914400" rtl="0" eaLnBrk="1" latinLnBrk="0" hangingPunct="1">
+      <a:defRPr sz="1200" kern="1200">
+        <a:solidFill>
+          <a:schemeClr val="tx1"/>
+        </a:solidFill>
+        <a:latin typeface="+mn-lt"/>
+        <a:ea typeface="+mn-ea"/>
+        <a:cs typeface="+mn-cs"/>
+      </a:defRPr>
+    </a:lvl3pPr>
+    <a:lvl4pPr marL="1371600" algn="l" defTabSz="914400" rtl="0" eaLnBrk="1" latinLnBrk="0" hangingPunct="1">
+      <a:defRPr sz="1200" kern="1200">
+        <a:solidFill>
+          <a:schemeClr val="tx1"/>
+        </a:solidFill>
+        <a:latin typeface="+mn-lt"/>
+        <a:ea typeface="+mn-ea"/>
+        <a:cs typeface="+mn-cs"/>
+      </a:defRPr>
+    </a:lvl4pPr>
+    <a:lvl5pPr marL="1828800" algn="l" defTabSz="914400" rtl="0" eaLnBrk="1" latinLnBrk="0" hangingPunct="1">
+      <a:defRPr sz="1200" kern="1200">
+        <a:solidFill>
+          <a:schemeClr val="tx1"/>
+        </a:solidFill>
+        <a:latin typeface="+mn-lt"/>
+        <a:ea typeface="+mn-ea"/>
+        <a:cs typeface="+mn-cs"/>
+      </a:defRPr>
+    </a:lvl5pPr>
+    <a:lvl6pPr marL="2286000" algn="l" defTabSz="914400" rtl="0" eaLnBrk="1" latinLnBrk="0" hangingPunct="1">
+      <a:defRPr sz="1200" kern="1200">
+        <a:solidFill>
+          <a:schemeClr val="tx1"/>
+        </a:solidFill>
+        <a:latin typeface="+mn-lt"/>
+        <a:ea typeface="+mn-ea"/>
+        <a:cs typeface="+mn-cs"/>
+      </a:defRPr>
+    </a:lvl6pPr>
+    <a:lvl7pPr marL="2743200" algn="l" defTabSz="914400" rtl="0" eaLnBrk="1" latinLnBrk="0" hangingPunct="1">
+      <a:defRPr sz="1200" kern="1200">
+        <a:solidFill>
+          <a:schemeClr val="tx1"/>
+        </a:solidFill>
+        <a:latin typeface="+mn-lt"/>
+        <a:ea typeface="+mn-ea"/>
+        <a:cs typeface="+mn-cs"/>
+      </a:defRPr>
+    </a:lvl7pPr>
+    <a:lvl8pPr marL="3200400" algn="l" defTabSz="914400" rtl="0" eaLnBrk="1" latinLnBrk="0" hangingPunct="1">
+      <a:defRPr sz="1200" kern="1200">
+        <a:solidFill>
+          <a:schemeClr val="tx1"/>
+        </a:solidFill>
+        <a:latin typeface="+mn-lt"/>
+        <a:ea typeface="+mn-ea"/>
+        <a:cs typeface="+mn-cs"/>
+      </a:defRPr>
+    </a:lvl8pPr>
+    <a:lvl9pPr marL="3657600" algn="l" defTabSz="914400" rtl="0" eaLnBrk="1" latinLnBrk="0" hangingPunct="1">
+      <a:defRPr sz="1200" kern="1200">
+        <a:solidFill>
+          <a:schemeClr val="tx1"/>
+        </a:solidFill>
+        <a:latin typeface="+mn-lt"/>
+        <a:ea typeface="+mn-ea"/>
+        <a:cs typeface="+mn-cs"/>
+      </a:defRPr>
+    </a:lvl9pPr>
+  </p:notesStyle>
+</p:notesMaster>
+</file>
+
+<file path=ppt/notesSlides/notesSlide1.xml><?xml version="1.0" encoding="utf-8"?>
+<p:notes xmlns:a="http://schemas.openxmlformats.org/drawingml/2006/main" xmlns:r="http://schemas.openxmlformats.org/officeDocument/2006/relationships" xmlns:p="http://schemas.openxmlformats.org/presentationml/2006/main">
+  <p:cSld>
+    <p:spTree>
+      <p:nvGrpSpPr>
+        <p:cNvPr id="1" name=""/>
+        <p:cNvGrpSpPr/>
+        <p:nvPr/>
+      </p:nvGrpSpPr>
+      <p:grpSpPr>
+        <a:xfrm>
+          <a:off x="0" y="0"/>
+          <a:ext cx="0" cy="0"/>
+          <a:chOff x="0" y="0"/>
+          <a:chExt cx="0" cy="0"/>
+        </a:xfrm>
+      </p:grpSpPr>
+      <p:sp>
+        <p:nvSpPr>
+          <p:cNvPr id="2" name="Slide Image Placeholder 1"/>
+          <p:cNvSpPr>
+            <a:spLocks noGrp="1" noRot="1" noChangeAspect="1"/>
+          </p:cNvSpPr>
+          <p:nvPr>
+            <p:ph type="sldImg"/>
+          </p:nvPr>
+        </p:nvSpPr>
+        <p:spPr/>
+      </p:sp>
+      <p:sp>
+        <p:nvSpPr>
+          <p:cNvPr id="3" name="Notes Placeholder 2"/>
+          <p:cNvSpPr>
+            <a:spLocks noGrp="1"/>
+          </p:cNvSpPr>
+          <p:nvPr>
+            <p:ph type="body" idx="1"/>
+          </p:nvPr>
+        </p:nvSpPr>
+        <p:spPr/>
+        <p:txBody>
+          <a:bodyPr/>
+          <a:lstStyle/>
+          <a:p>
+            <a:pPr marL="0" marR="0" lvl="0" indent="0" algn="l" defTabSz="914400" rtl="0" eaLnBrk="1" fontAlgn="auto" latinLnBrk="0" hangingPunct="1">
+              <a:lnSpc>
+                <a:spcPct val="100000"/>
+              </a:lnSpc>
+              <a:spcBef>
+                <a:spcPts val="0"/>
+              </a:spcBef>
+              <a:spcAft>
+                <a:spcPts val="0"/>
+              </a:spcAft>
+              <a:buClrTx/>
+              <a:buSzTx/>
+              <a:buFontTx/>
+              <a:buNone/>
+              <a:tabLst/>
+              <a:defRPr/>
+            </a:pPr>
+            <a:r>
+              <a:rPr lang="en-US" dirty="0" smtClean="0"/>
+              <a:t>“Variables”  ( several depots, dispersed cities /customers, vehicle fleet / delivery executives)</a:t>
+            </a:r>
+          </a:p>
+          <a:p>
+            <a:endParaRPr lang="en-US" dirty="0"/>
+          </a:p>
+        </p:txBody>
+      </p:sp>
+      <p:sp>
+        <p:nvSpPr>
+          <p:cNvPr id="4" name="Slide Number Placeholder 3"/>
+          <p:cNvSpPr>
+            <a:spLocks noGrp="1"/>
+          </p:cNvSpPr>
+          <p:nvPr>
+            <p:ph type="sldNum" sz="quarter" idx="10"/>
+          </p:nvPr>
+        </p:nvSpPr>
+        <p:spPr/>
+        <p:txBody>
+          <a:bodyPr/>
+          <a:lstStyle/>
+          <a:p>
+            <a:fld id="{0FE1962D-B03F-4A9C-9946-0F7F1831F1ED}" type="slidenum">
+              <a:rPr lang="en-US" smtClean="0"/>
+              <a:t>3</a:t>
+            </a:fld>
+            <a:endParaRPr lang="en-US"/>
+          </a:p>
+        </p:txBody>
+      </p:sp>
+    </p:spTree>
+    <p:extLst>
+      <p:ext uri="{BB962C8B-B14F-4D97-AF65-F5344CB8AC3E}">
+        <p14:creationId xmlns:p14="http://schemas.microsoft.com/office/powerpoint/2010/main" val="1798539605"/>
+      </p:ext>
+    </p:extLst>
+  </p:cSld>
+  <p:clrMapOvr>
+    <a:masterClrMapping/>
+  </p:clrMapOvr>
+</p:notes>
+</file>
+
+<file path=ppt/notesSlides/notesSlide2.xml><?xml version="1.0" encoding="utf-8"?>
+<p:notes xmlns:a="http://schemas.openxmlformats.org/drawingml/2006/main" xmlns:r="http://schemas.openxmlformats.org/officeDocument/2006/relationships" xmlns:p="http://schemas.openxmlformats.org/presentationml/2006/main">
+  <p:cSld>
+    <p:spTree>
+      <p:nvGrpSpPr>
+        <p:cNvPr id="1" name=""/>
+        <p:cNvGrpSpPr/>
+        <p:nvPr/>
+      </p:nvGrpSpPr>
+      <p:grpSpPr>
+        <a:xfrm>
+          <a:off x="0" y="0"/>
+          <a:ext cx="0" cy="0"/>
+          <a:chOff x="0" y="0"/>
+          <a:chExt cx="0" cy="0"/>
+        </a:xfrm>
+      </p:grpSpPr>
+      <p:sp>
+        <p:nvSpPr>
+          <p:cNvPr id="2" name="Slide Image Placeholder 1"/>
+          <p:cNvSpPr>
+            <a:spLocks noGrp="1" noRot="1" noChangeAspect="1"/>
+          </p:cNvSpPr>
+          <p:nvPr>
+            <p:ph type="sldImg"/>
+          </p:nvPr>
+        </p:nvSpPr>
+        <p:spPr/>
+      </p:sp>
+      <p:sp>
+        <p:nvSpPr>
+          <p:cNvPr id="3" name="Notes Placeholder 2"/>
+          <p:cNvSpPr>
+            <a:spLocks noGrp="1"/>
+          </p:cNvSpPr>
+          <p:nvPr>
+            <p:ph type="body" idx="1"/>
+          </p:nvPr>
+        </p:nvSpPr>
+        <p:spPr/>
+        <p:txBody>
+          <a:bodyPr/>
+          <a:lstStyle/>
+          <a:p>
+            <a:pPr marL="0" marR="0" lvl="0" indent="0" algn="l" defTabSz="914400" rtl="0" eaLnBrk="1" fontAlgn="auto" latinLnBrk="0" hangingPunct="1">
+              <a:lnSpc>
+                <a:spcPct val="100000"/>
+              </a:lnSpc>
+              <a:spcBef>
+                <a:spcPts val="0"/>
+              </a:spcBef>
+              <a:spcAft>
+                <a:spcPts val="0"/>
+              </a:spcAft>
+              <a:buClrTx/>
+              <a:buSzTx/>
+              <a:buFontTx/>
+              <a:buNone/>
+              <a:tabLst/>
+              <a:defRPr/>
+            </a:pPr>
+            <a:r>
+              <a:rPr lang="en-US" dirty="0" smtClean="0"/>
+              <a:t>“Variables”  ( several depots, dispersed cities /customers, vehicle fleet / delivery executives)</a:t>
+            </a:r>
+          </a:p>
+          <a:p>
+            <a:endParaRPr lang="en-US" dirty="0"/>
+          </a:p>
+        </p:txBody>
+      </p:sp>
+      <p:sp>
+        <p:nvSpPr>
+          <p:cNvPr id="4" name="Slide Number Placeholder 3"/>
+          <p:cNvSpPr>
+            <a:spLocks noGrp="1"/>
+          </p:cNvSpPr>
+          <p:nvPr>
+            <p:ph type="sldNum" sz="quarter" idx="10"/>
+          </p:nvPr>
+        </p:nvSpPr>
+        <p:spPr/>
+        <p:txBody>
+          <a:bodyPr/>
+          <a:lstStyle/>
+          <a:p>
+            <a:fld id="{0FE1962D-B03F-4A9C-9946-0F7F1831F1ED}" type="slidenum">
+              <a:rPr lang="en-US" smtClean="0"/>
+              <a:t>4</a:t>
+            </a:fld>
+            <a:endParaRPr lang="en-US"/>
+          </a:p>
+        </p:txBody>
+      </p:sp>
+    </p:spTree>
+    <p:extLst>
+      <p:ext uri="{BB962C8B-B14F-4D97-AF65-F5344CB8AC3E}">
+        <p14:creationId xmlns:p14="http://schemas.microsoft.com/office/powerpoint/2010/main" val="2081606269"/>
+      </p:ext>
+    </p:extLst>
+  </p:cSld>
+  <p:clrMapOvr>
+    <a:masterClrMapping/>
+  </p:clrMapOvr>
+</p:notes>
 </file>
 
 <file path=ppt/slideLayouts/slideLayout1.xml><?xml version="1.0" encoding="utf-8"?>
@@ -339,7 +915,7 @@
           <a:p>
             <a:fld id="{C5BB9458-FDF2-416C-BA50-107E54A45024}" type="datetimeFigureOut">
               <a:rPr lang="en-US" smtClean="0"/>
-              <a:t>03-Nov-17</a:t>
+              <a:t>05-Nov-17</a:t>
             </a:fld>
             <a:endParaRPr lang="en-US"/>
           </a:p>
@@ -547,7 +1123,7 @@
           <a:p>
             <a:fld id="{C5BB9458-FDF2-416C-BA50-107E54A45024}" type="datetimeFigureOut">
               <a:rPr lang="en-US" smtClean="0"/>
-              <a:t>03-Nov-17</a:t>
+              <a:t>05-Nov-17</a:t>
             </a:fld>
             <a:endParaRPr lang="en-US"/>
           </a:p>
@@ -803,7 +1379,7 @@
           <a:p>
             <a:fld id="{C5BB9458-FDF2-416C-BA50-107E54A45024}" type="datetimeFigureOut">
               <a:rPr lang="en-US" smtClean="0"/>
-              <a:t>03-Nov-17</a:t>
+              <a:t>05-Nov-17</a:t>
             </a:fld>
             <a:endParaRPr lang="en-US"/>
           </a:p>
@@ -977,7 +1553,7 @@
           <a:p>
             <a:fld id="{C5BB9458-FDF2-416C-BA50-107E54A45024}" type="datetimeFigureOut">
               <a:rPr lang="en-US" smtClean="0"/>
-              <a:t>03-Nov-17</a:t>
+              <a:t>05-Nov-17</a:t>
             </a:fld>
             <a:endParaRPr lang="en-US"/>
           </a:p>
@@ -1320,7 +1896,7 @@
           <a:p>
             <a:fld id="{C5BB9458-FDF2-416C-BA50-107E54A45024}" type="datetimeFigureOut">
               <a:rPr lang="en-US" smtClean="0"/>
-              <a:t>03-Nov-17</a:t>
+              <a:t>05-Nov-17</a:t>
             </a:fld>
             <a:endParaRPr lang="en-US"/>
           </a:p>
@@ -1595,7 +2171,7 @@
           <a:p>
             <a:fld id="{C5BB9458-FDF2-416C-BA50-107E54A45024}" type="datetimeFigureOut">
               <a:rPr lang="en-US" smtClean="0"/>
-              <a:t>03-Nov-17</a:t>
+              <a:t>05-Nov-17</a:t>
             </a:fld>
             <a:endParaRPr lang="en-US"/>
           </a:p>
@@ -1974,7 +2550,7 @@
           <a:p>
             <a:fld id="{C5BB9458-FDF2-416C-BA50-107E54A45024}" type="datetimeFigureOut">
               <a:rPr lang="en-US" smtClean="0"/>
-              <a:t>03-Nov-17</a:t>
+              <a:t>05-Nov-17</a:t>
             </a:fld>
             <a:endParaRPr lang="en-US"/>
           </a:p>
@@ -2092,7 +2668,7 @@
           <a:p>
             <a:fld id="{C5BB9458-FDF2-416C-BA50-107E54A45024}" type="datetimeFigureOut">
               <a:rPr lang="en-US" smtClean="0"/>
-              <a:t>03-Nov-17</a:t>
+              <a:t>05-Nov-17</a:t>
             </a:fld>
             <a:endParaRPr lang="en-US"/>
           </a:p>
@@ -2263,7 +2839,7 @@
           <a:p>
             <a:fld id="{C5BB9458-FDF2-416C-BA50-107E54A45024}" type="datetimeFigureOut">
               <a:rPr lang="en-US" smtClean="0"/>
-              <a:t>03-Nov-17</a:t>
+              <a:t>05-Nov-17</a:t>
             </a:fld>
             <a:endParaRPr lang="en-US"/>
           </a:p>
@@ -2617,7 +3193,7 @@
           <a:p>
             <a:fld id="{C5BB9458-FDF2-416C-BA50-107E54A45024}" type="datetimeFigureOut">
               <a:rPr lang="en-US" smtClean="0"/>
-              <a:t>03-Nov-17</a:t>
+              <a:t>05-Nov-17</a:t>
             </a:fld>
             <a:endParaRPr lang="en-US"/>
           </a:p>
@@ -2999,7 +3575,7 @@
           <a:p>
             <a:fld id="{C5BB9458-FDF2-416C-BA50-107E54A45024}" type="datetimeFigureOut">
               <a:rPr lang="en-US" smtClean="0"/>
-              <a:t>03-Nov-17</a:t>
+              <a:t>05-Nov-17</a:t>
             </a:fld>
             <a:endParaRPr lang="en-US"/>
           </a:p>
@@ -3286,7 +3862,7 @@
           <a:p>
             <a:fld id="{C5BB9458-FDF2-416C-BA50-107E54A45024}" type="datetimeFigureOut">
               <a:rPr lang="en-US" smtClean="0"/>
-              <a:t>03-Nov-17</a:t>
+              <a:t>05-Nov-17</a:t>
             </a:fld>
             <a:endParaRPr lang="en-US"/>
           </a:p>
@@ -3913,6 +4489,331 @@
   <p:clrMapOvr>
     <a:masterClrMapping/>
   </p:clrMapOvr>
+  <p:timing>
+    <p:tnLst>
+      <p:par>
+        <p:cTn id="1" dur="indefinite" restart="never" nodeType="tmRoot"/>
+      </p:par>
+    </p:tnLst>
+  </p:timing>
+</p:sld>
+</file>
+
+<file path=ppt/slides/slide10.xml><?xml version="1.0" encoding="utf-8"?>
+<p:sld xmlns:a="http://schemas.openxmlformats.org/drawingml/2006/main" xmlns:r="http://schemas.openxmlformats.org/officeDocument/2006/relationships" xmlns:p="http://schemas.openxmlformats.org/presentationml/2006/main">
+  <p:cSld>
+    <p:spTree>
+      <p:nvGrpSpPr>
+        <p:cNvPr id="1" name=""/>
+        <p:cNvGrpSpPr/>
+        <p:nvPr/>
+      </p:nvGrpSpPr>
+      <p:grpSpPr>
+        <a:xfrm>
+          <a:off x="0" y="0"/>
+          <a:ext cx="0" cy="0"/>
+          <a:chOff x="0" y="0"/>
+          <a:chExt cx="0" cy="0"/>
+        </a:xfrm>
+      </p:grpSpPr>
+      <p:sp>
+        <p:nvSpPr>
+          <p:cNvPr id="2" name="Title 1"/>
+          <p:cNvSpPr>
+            <a:spLocks noGrp="1"/>
+          </p:cNvSpPr>
+          <p:nvPr>
+            <p:ph type="title"/>
+          </p:nvPr>
+        </p:nvSpPr>
+        <p:spPr/>
+        <p:txBody>
+          <a:bodyPr/>
+          <a:lstStyle/>
+          <a:p>
+            <a:r>
+              <a:rPr lang="en-US" dirty="0" smtClean="0"/>
+              <a:t>PROPOSED PLAN OF ACTION</a:t>
+            </a:r>
+            <a:endParaRPr lang="en-US" dirty="0"/>
+          </a:p>
+        </p:txBody>
+      </p:sp>
+      <p:sp>
+        <p:nvSpPr>
+          <p:cNvPr id="3" name="Content Placeholder 2"/>
+          <p:cNvSpPr>
+            <a:spLocks noGrp="1"/>
+          </p:cNvSpPr>
+          <p:nvPr>
+            <p:ph idx="1"/>
+          </p:nvPr>
+        </p:nvSpPr>
+        <p:spPr/>
+        <p:txBody>
+          <a:bodyPr/>
+          <a:lstStyle/>
+          <a:p>
+            <a:r>
+              <a:rPr lang="en-US" dirty="0" smtClean="0"/>
+              <a:t>Jay – Designing the heuristic function</a:t>
+            </a:r>
+          </a:p>
+          <a:p>
+            <a:r>
+              <a:rPr lang="en-US" dirty="0" err="1" smtClean="0"/>
+              <a:t>Shlok</a:t>
+            </a:r>
+            <a:r>
+              <a:rPr lang="en-US" dirty="0" smtClean="0"/>
+              <a:t> – Modifying the Genetic Algorithm so that it suits our case</a:t>
+            </a:r>
+          </a:p>
+          <a:p>
+            <a:r>
+              <a:rPr lang="en-US" dirty="0" err="1" smtClean="0"/>
+              <a:t>Chirayu</a:t>
+            </a:r>
+            <a:r>
+              <a:rPr lang="en-US" dirty="0" smtClean="0"/>
+              <a:t> – Work on constraints and the optimized values required for the problem</a:t>
+            </a:r>
+            <a:endParaRPr lang="en-US" dirty="0"/>
+          </a:p>
+        </p:txBody>
+      </p:sp>
+    </p:spTree>
+    <p:extLst>
+      <p:ext uri="{BB962C8B-B14F-4D97-AF65-F5344CB8AC3E}">
+        <p14:creationId xmlns:p14="http://schemas.microsoft.com/office/powerpoint/2010/main" val="2276212316"/>
+      </p:ext>
+    </p:extLst>
+  </p:cSld>
+  <p:clrMapOvr>
+    <a:masterClrMapping/>
+  </p:clrMapOvr>
+  <p:timing>
+    <p:tnLst>
+      <p:par>
+        <p:cTn id="1" dur="indefinite" restart="never" nodeType="tmRoot"/>
+      </p:par>
+    </p:tnLst>
+  </p:timing>
+</p:sld>
+</file>
+
+<file path=ppt/slides/slide11.xml><?xml version="1.0" encoding="utf-8"?>
+<p:sld xmlns:a="http://schemas.openxmlformats.org/drawingml/2006/main" xmlns:r="http://schemas.openxmlformats.org/officeDocument/2006/relationships" xmlns:p="http://schemas.openxmlformats.org/presentationml/2006/main">
+  <p:cSld>
+    <p:spTree>
+      <p:nvGrpSpPr>
+        <p:cNvPr id="1" name=""/>
+        <p:cNvGrpSpPr/>
+        <p:nvPr/>
+      </p:nvGrpSpPr>
+      <p:grpSpPr>
+        <a:xfrm>
+          <a:off x="0" y="0"/>
+          <a:ext cx="0" cy="0"/>
+          <a:chOff x="0" y="0"/>
+          <a:chExt cx="0" cy="0"/>
+        </a:xfrm>
+      </p:grpSpPr>
+      <p:sp>
+        <p:nvSpPr>
+          <p:cNvPr id="2" name="Title 1"/>
+          <p:cNvSpPr>
+            <a:spLocks noGrp="1"/>
+          </p:cNvSpPr>
+          <p:nvPr>
+            <p:ph type="title"/>
+          </p:nvPr>
+        </p:nvSpPr>
+        <p:spPr/>
+        <p:txBody>
+          <a:bodyPr/>
+          <a:lstStyle/>
+          <a:p>
+            <a:r>
+              <a:rPr lang="en-US" dirty="0" smtClean="0"/>
+              <a:t>References</a:t>
+            </a:r>
+            <a:endParaRPr lang="en-US" dirty="0"/>
+          </a:p>
+        </p:txBody>
+      </p:sp>
+      <p:sp>
+        <p:nvSpPr>
+          <p:cNvPr id="3" name="Content Placeholder 2"/>
+          <p:cNvSpPr>
+            <a:spLocks noGrp="1"/>
+          </p:cNvSpPr>
+          <p:nvPr>
+            <p:ph idx="1"/>
+          </p:nvPr>
+        </p:nvSpPr>
+        <p:spPr/>
+        <p:txBody>
+          <a:bodyPr>
+            <a:normAutofit fontScale="92500" lnSpcReduction="20000"/>
+          </a:bodyPr>
+          <a:lstStyle/>
+          <a:p>
+            <a:r>
+              <a:rPr lang="en-US" dirty="0">
+                <a:hlinkClick r:id="rId2"/>
+              </a:rPr>
+              <a:t>http://</a:t>
+            </a:r>
+            <a:r>
+              <a:rPr lang="en-US" dirty="0" smtClean="0">
+                <a:hlinkClick r:id="rId2"/>
+              </a:rPr>
+              <a:t>www.orcomplete.com/computer/sertalpbilal/solving-vehicle-routing-problem</a:t>
+            </a:r>
+            <a:r>
+              <a:rPr lang="en-US" dirty="0" smtClean="0"/>
+              <a:t> </a:t>
+            </a:r>
+          </a:p>
+          <a:p>
+            <a:r>
+              <a:rPr lang="en-US" dirty="0">
+                <a:hlinkClick r:id="rId3"/>
+              </a:rPr>
+              <a:t>http://neo.lcc.uma.es/vrp/vehicle-routing-problem</a:t>
+            </a:r>
+            <a:r>
+              <a:rPr lang="en-US" dirty="0" smtClean="0">
+                <a:hlinkClick r:id="rId3"/>
+              </a:rPr>
+              <a:t>/</a:t>
+            </a:r>
+            <a:r>
+              <a:rPr lang="en-US" dirty="0" smtClean="0"/>
+              <a:t> </a:t>
+            </a:r>
+            <a:endParaRPr lang="en-US" dirty="0" smtClean="0"/>
+          </a:p>
+          <a:p>
+            <a:r>
+              <a:rPr lang="en-US" dirty="0">
+                <a:hlinkClick r:id="rId4"/>
+              </a:rPr>
+              <a:t>http://</a:t>
+            </a:r>
+            <a:r>
+              <a:rPr lang="en-US" dirty="0" smtClean="0">
+                <a:hlinkClick r:id="rId4"/>
+              </a:rPr>
+              <a:t>www.jstor.org/stable/2627477?origin=JSTOR-pdf</a:t>
+            </a:r>
+            <a:r>
+              <a:rPr lang="en-US" dirty="0" smtClean="0"/>
+              <a:t> </a:t>
+            </a:r>
+          </a:p>
+          <a:p>
+            <a:pPr lvl="0">
+              <a:buSzPct val="45000"/>
+              <a:buFont typeface="StarSymbol"/>
+              <a:buChar char="●"/>
+            </a:pPr>
+            <a:r>
+              <a:rPr lang="en-US" dirty="0"/>
+              <a:t>G. Clarke and J. Wright “Scheduling of vehicles from a central depot to a number of delivery points”, Operations Research, 12 #4, 568-581, 1964.</a:t>
+            </a:r>
+          </a:p>
+          <a:p>
+            <a:pPr lvl="0">
+              <a:buSzPct val="45000"/>
+              <a:buFont typeface="StarSymbol"/>
+              <a:buChar char="●"/>
+            </a:pPr>
+            <a:r>
+              <a:rPr lang="en-US" dirty="0"/>
+              <a:t>Holmes RA &amp; Parker RG, 1976, A vehicle scheduling procedure based upon savings and a solution perturbation scheme, Journal of the Operational Research Society, 27(1), pp. 83–92</a:t>
+            </a:r>
+          </a:p>
+          <a:p>
+            <a:pPr lvl="0">
+              <a:buSzPct val="45000"/>
+              <a:buFont typeface="StarSymbol"/>
+              <a:buChar char="●"/>
+            </a:pPr>
+            <a:r>
+              <a:rPr lang="en-US" dirty="0"/>
+              <a:t>P. Shaw. “Using Constraint Programming and Local Search Methods to Solve Vehicle Routing Problems”, Proceedings of the Fourth International Conference on Principles and Practice of Constraint Programming (CP ’98), M. Maher and J.-F. Puget (eds.), Springer-</a:t>
+            </a:r>
+            <a:r>
+              <a:rPr lang="en-US" dirty="0" err="1"/>
+              <a:t>Verlag</a:t>
+            </a:r>
+            <a:r>
+              <a:rPr lang="en-US" dirty="0"/>
+              <a:t>, 417-431. 1998</a:t>
+            </a:r>
+          </a:p>
+          <a:p>
+            <a:pPr lvl="0">
+              <a:buSzPct val="45000"/>
+              <a:buFont typeface="StarSymbol"/>
+              <a:buChar char="●"/>
+            </a:pPr>
+            <a:r>
+              <a:rPr lang="en-US" dirty="0"/>
+              <a:t>Alba, E., </a:t>
+            </a:r>
+            <a:r>
+              <a:rPr lang="en-US" dirty="0" err="1"/>
+              <a:t>Dorronsoro</a:t>
+            </a:r>
+            <a:r>
+              <a:rPr lang="en-US" dirty="0"/>
+              <a:t>, B. “Solving the Vehicle Routing Problem by Using Cellular Genetic Algorithms”, Conference on Evolutionary Computation in Combinatorial Optimization, </a:t>
+            </a:r>
+            <a:r>
+              <a:rPr lang="en-US" dirty="0" err="1"/>
+              <a:t>EvoCOPâ</a:t>
+            </a:r>
+            <a:r>
+              <a:rPr lang="en-US" dirty="0"/>
+              <a:t>04, LNCS vol. 3004, pp 11-20, Portugal, Springer-</a:t>
+            </a:r>
+            <a:r>
+              <a:rPr lang="en-US" dirty="0" err="1"/>
+              <a:t>Verlag</a:t>
+            </a:r>
+            <a:r>
+              <a:rPr lang="en-US" dirty="0"/>
+              <a:t>. 2004</a:t>
+            </a:r>
+          </a:p>
+          <a:p>
+            <a:endParaRPr lang="en-US" dirty="0" smtClean="0"/>
+          </a:p>
+          <a:p>
+            <a:endParaRPr lang="en-US" dirty="0"/>
+          </a:p>
+        </p:txBody>
+      </p:sp>
+    </p:spTree>
+    <p:extLst>
+      <p:ext uri="{BB962C8B-B14F-4D97-AF65-F5344CB8AC3E}">
+        <p14:creationId xmlns:p14="http://schemas.microsoft.com/office/powerpoint/2010/main" val="1710598901"/>
+      </p:ext>
+    </p:extLst>
+  </p:cSld>
+  <p:clrMapOvr>
+    <a:masterClrMapping/>
+  </p:clrMapOvr>
+  <p:timing>
+    <p:tnLst>
+      <p:par>
+        <p:cTn id="1" dur="indefinite" restart="never" nodeType="tmRoot"/>
+      </p:par>
+    </p:tnLst>
+  </p:timing>
 </p:sld>
 </file>
 
@@ -3945,8 +4846,8 @@
         </p:nvSpPr>
         <p:spPr>
           <a:xfrm>
-            <a:off x="1233757" y="2947916"/>
-            <a:ext cx="10058400" cy="1450757"/>
+            <a:off x="1233757" y="2593076"/>
+            <a:ext cx="10058400" cy="1805598"/>
           </a:xfrm>
         </p:spPr>
         <p:txBody>
@@ -3957,22 +4858,42 @@
           <a:p>
             <a:pPr algn="ctr"/>
             <a:r>
+              <a:rPr lang="en-US" b="1" dirty="0"/>
+              <a:t>WHY?</a:t>
+            </a:r>
+            <a:r>
               <a:rPr lang="en-US" b="1" dirty="0" smtClean="0"/>
-              <a:t>WHY? </a:t>
+              <a:t/>
             </a:r>
             <a:br>
               <a:rPr lang="en-US" b="1" dirty="0" smtClean="0"/>
             </a:br>
             <a:r>
               <a:rPr lang="en-US" b="1" dirty="0" smtClean="0"/>
-              <a:t>WHAT? </a:t>
+              <a:t>WHAT</a:t>
+            </a:r>
+            <a:r>
+              <a:rPr lang="en-US" b="1" dirty="0"/>
+              <a:t>? </a:t>
+            </a:r>
+            <a:r>
+              <a:rPr lang="en-US" b="1" dirty="0" smtClean="0"/>
+              <a:t> </a:t>
+            </a:r>
+            <a:r>
+              <a:rPr lang="en-US" b="1" dirty="0" smtClean="0"/>
+              <a:t/>
             </a:r>
             <a:br>
               <a:rPr lang="en-US" b="1" dirty="0" smtClean="0"/>
             </a:br>
             <a:r>
+              <a:rPr lang="en-US" b="1" dirty="0"/>
+              <a:t>HOW</a:t>
+            </a:r>
+            <a:r>
               <a:rPr lang="en-US" b="1" dirty="0" smtClean="0"/>
-              <a:t>HOW?</a:t>
+              <a:t>?</a:t>
             </a:r>
             <a:endParaRPr lang="en-US" b="1" dirty="0"/>
           </a:p>
@@ -3981,13 +4902,20 @@
     </p:spTree>
     <p:extLst>
       <p:ext uri="{BB962C8B-B14F-4D97-AF65-F5344CB8AC3E}">
-        <p14:creationId xmlns:p14="http://schemas.microsoft.com/office/powerpoint/2010/main" val="3235767516"/>
+        <p14:creationId xmlns:p14="http://schemas.microsoft.com/office/powerpoint/2010/main" val="1657453599"/>
       </p:ext>
     </p:extLst>
   </p:cSld>
   <p:clrMapOvr>
     <a:masterClrMapping/>
   </p:clrMapOvr>
+  <p:timing>
+    <p:tnLst>
+      <p:par>
+        <p:cTn id="1" dur="indefinite" restart="never" nodeType="tmRoot"/>
+      </p:par>
+    </p:tnLst>
+  </p:timing>
 </p:sld>
 </file>
 
@@ -4023,47 +4951,120 @@
           <a:bodyPr/>
           <a:lstStyle/>
           <a:p>
-            <a:pPr algn="ctr"/>
             <a:r>
               <a:rPr lang="en-US" dirty="0" smtClean="0"/>
-              <a:t>WHY ?</a:t>
-            </a:r>
+              <a:t>WHAT ? </a:t>
+            </a:r>
+            <a:endParaRPr lang="en-US" dirty="0"/>
+          </a:p>
+        </p:txBody>
+      </p:sp>
+      <p:sp>
+        <p:nvSpPr>
+          <p:cNvPr id="3" name="Content Placeholder 2"/>
+          <p:cNvSpPr>
+            <a:spLocks noGrp="1"/>
+          </p:cNvSpPr>
+          <p:nvPr>
+            <p:ph idx="1"/>
+          </p:nvPr>
+        </p:nvSpPr>
+        <p:spPr/>
+        <p:txBody>
+          <a:bodyPr>
+            <a:normAutofit/>
+          </a:bodyPr>
+          <a:lstStyle/>
+          <a:p>
+            <a:r>
+              <a:rPr lang="en-US" sz="2400" b="1" dirty="0"/>
+              <a:t>Vehicle Routing Problem</a:t>
+            </a:r>
+            <a:endParaRPr lang="en-US" sz="2400" b="1" dirty="0" smtClean="0"/>
+          </a:p>
+          <a:p>
+            <a:r>
+              <a:rPr lang="en-US" dirty="0"/>
+              <a:t>Proposed by </a:t>
+            </a:r>
+            <a:r>
+              <a:rPr lang="en-US" dirty="0" err="1"/>
+              <a:t>Dantzig</a:t>
+            </a:r>
+            <a:r>
+              <a:rPr lang="en-US" dirty="0"/>
+              <a:t> and </a:t>
+            </a:r>
+            <a:r>
+              <a:rPr lang="en-US" dirty="0" err="1"/>
+              <a:t>Ramser</a:t>
+            </a:r>
+            <a:r>
+              <a:rPr lang="en-US" dirty="0"/>
+              <a:t> in </a:t>
+            </a:r>
+            <a:r>
+              <a:rPr lang="en-US" dirty="0" smtClean="0"/>
+              <a:t>1959</a:t>
+            </a:r>
+            <a:endParaRPr lang="en-US" dirty="0"/>
+          </a:p>
+          <a:p>
+            <a:r>
+              <a:rPr lang="en-US" dirty="0" smtClean="0"/>
+              <a:t>Combinatorial optimization, Integer Linear Programming</a:t>
+            </a:r>
+            <a:endParaRPr lang="en-US" dirty="0" smtClean="0"/>
+          </a:p>
+          <a:p>
+            <a:r>
+              <a:rPr lang="en-US" dirty="0" smtClean="0"/>
+              <a:t>Constraints for the problem</a:t>
+            </a:r>
+          </a:p>
+          <a:p>
+            <a:r>
+              <a:rPr lang="en-US" dirty="0" smtClean="0"/>
+              <a:t>Flavors</a:t>
+            </a:r>
+          </a:p>
+          <a:p>
+            <a:pPr lvl="1"/>
+            <a:r>
+              <a:rPr lang="en-US" dirty="0" smtClean="0"/>
+              <a:t>Capacitated VRP **</a:t>
+            </a:r>
+          </a:p>
+          <a:p>
+            <a:pPr lvl="1"/>
+            <a:r>
+              <a:rPr lang="en-US" dirty="0" smtClean="0"/>
+              <a:t>VRP with pick up and delivering</a:t>
+            </a:r>
+          </a:p>
+          <a:p>
+            <a:pPr lvl="1"/>
+            <a:r>
+              <a:rPr lang="en-US" dirty="0" smtClean="0"/>
+              <a:t>Stochastic VRP</a:t>
+            </a:r>
+          </a:p>
+          <a:p>
+            <a:pPr lvl="1"/>
+            <a:r>
+              <a:rPr lang="en-US" dirty="0" smtClean="0"/>
+              <a:t>VRP with time windows</a:t>
+            </a:r>
+            <a:endParaRPr lang="en-US" dirty="0" smtClean="0"/>
+          </a:p>
+          <a:p>
             <a:endParaRPr lang="en-US" dirty="0"/>
           </a:p>
         </p:txBody>
       </p:sp>
       <p:pic>
         <p:nvPicPr>
-          <p:cNvPr id="4" name="Content Placeholder 3"/>
-          <p:cNvPicPr>
-            <a:picLocks noGrp="1" noChangeAspect="1"/>
-          </p:cNvPicPr>
-          <p:nvPr>
-            <p:ph idx="1"/>
-          </p:nvPr>
-        </p:nvPicPr>
-        <p:blipFill>
-          <a:blip r:embed="rId2" cstate="print">
-            <a:extLst>
-              <a:ext uri="{28A0092B-C50C-407E-A947-70E740481C1C}">
-                <a14:useLocalDpi xmlns:a14="http://schemas.microsoft.com/office/drawing/2010/main" val="0"/>
-              </a:ext>
-            </a:extLst>
-          </a:blip>
-          <a:stretch>
-            <a:fillRect/>
-          </a:stretch>
-        </p:blipFill>
-        <p:spPr>
-          <a:xfrm>
-            <a:off x="673873" y="1941262"/>
-            <a:ext cx="4248557" cy="2917342"/>
-          </a:xfrm>
-        </p:spPr>
-      </p:pic>
-      <p:pic>
-        <p:nvPicPr>
-          <p:cNvPr id="7" name="Picture 6"/>
+          <p:cNvPr id="4" name="Picture 3"/>
           <p:cNvPicPr>
             <a:picLocks noChangeAspect="1"/>
           </p:cNvPicPr>
@@ -4083,24 +5084,651 @@
         </p:blipFill>
         <p:spPr>
           <a:xfrm>
-            <a:off x="5235812" y="3183208"/>
-            <a:ext cx="4371262" cy="2917342"/>
+            <a:off x="2570985" y="1845734"/>
+            <a:ext cx="7110990" cy="3084393"/>
           </a:xfrm>
           <a:prstGeom prst="rect">
             <a:avLst/>
           </a:prstGeom>
         </p:spPr>
       </p:pic>
+      <p:sp>
+        <p:nvSpPr>
+          <p:cNvPr id="5" name="TextBox 4"/>
+          <p:cNvSpPr txBox="1"/>
+          <p:nvPr/>
+        </p:nvSpPr>
+        <p:spPr>
+          <a:xfrm>
+            <a:off x="2674961" y="5130499"/>
+            <a:ext cx="7110484" cy="369332"/>
+          </a:xfrm>
+          <a:prstGeom prst="rect">
+            <a:avLst/>
+          </a:prstGeom>
+          <a:noFill/>
+        </p:spPr>
+        <p:txBody>
+          <a:bodyPr wrap="square" rtlCol="0">
+            <a:spAutoFit/>
+          </a:bodyPr>
+          <a:lstStyle/>
+          <a:p>
+            <a:r>
+              <a:rPr lang="en-US" dirty="0"/>
+              <a:t>Image Source - </a:t>
+            </a:r>
+            <a:r>
+              <a:rPr lang="en-US" dirty="0">
+                <a:hlinkClick r:id="rId4"/>
+              </a:rPr>
+              <a:t>http://neo.lcc.uma.es/vrp/vehicle-routing-problem</a:t>
+            </a:r>
+            <a:r>
+              <a:rPr lang="en-US" dirty="0" smtClean="0">
+                <a:hlinkClick r:id="rId4"/>
+              </a:rPr>
+              <a:t>/</a:t>
+            </a:r>
+            <a:r>
+              <a:rPr lang="en-US" dirty="0" smtClean="0"/>
+              <a:t> </a:t>
+            </a:r>
+            <a:endParaRPr lang="en-US" dirty="0"/>
+          </a:p>
+        </p:txBody>
+      </p:sp>
     </p:spTree>
     <p:extLst>
       <p:ext uri="{BB962C8B-B14F-4D97-AF65-F5344CB8AC3E}">
-        <p14:creationId xmlns:p14="http://schemas.microsoft.com/office/powerpoint/2010/main" val="3297879006"/>
+        <p14:creationId xmlns:p14="http://schemas.microsoft.com/office/powerpoint/2010/main" val="2951389816"/>
       </p:ext>
     </p:extLst>
   </p:cSld>
   <p:clrMapOvr>
     <a:masterClrMapping/>
   </p:clrMapOvr>
+  <p:timing>
+    <p:tnLst>
+      <p:par>
+        <p:cTn id="1" dur="indefinite" restart="never" nodeType="tmRoot">
+          <p:childTnLst>
+            <p:seq concurrent="1" nextAc="seek">
+              <p:cTn id="2" dur="indefinite" nodeType="mainSeq">
+                <p:childTnLst>
+                  <p:par>
+                    <p:cTn id="3" fill="hold">
+                      <p:stCondLst>
+                        <p:cond delay="indefinite"/>
+                      </p:stCondLst>
+                      <p:childTnLst>
+                        <p:par>
+                          <p:cTn id="4" fill="hold">
+                            <p:stCondLst>
+                              <p:cond delay="0"/>
+                            </p:stCondLst>
+                            <p:childTnLst>
+                              <p:par>
+                                <p:cTn id="5" presetID="10" presetClass="entr" presetSubtype="0" fill="hold" nodeType="clickEffect">
+                                  <p:stCondLst>
+                                    <p:cond delay="0"/>
+                                  </p:stCondLst>
+                                  <p:childTnLst>
+                                    <p:set>
+                                      <p:cBhvr>
+                                        <p:cTn id="6" dur="1" fill="hold">
+                                          <p:stCondLst>
+                                            <p:cond delay="0"/>
+                                          </p:stCondLst>
+                                        </p:cTn>
+                                        <p:tgtEl>
+                                          <p:spTgt spid="4"/>
+                                        </p:tgtEl>
+                                        <p:attrNameLst>
+                                          <p:attrName>style.visibility</p:attrName>
+                                        </p:attrNameLst>
+                                      </p:cBhvr>
+                                      <p:to>
+                                        <p:strVal val="visible"/>
+                                      </p:to>
+                                    </p:set>
+                                    <p:animEffect transition="in" filter="fade">
+                                      <p:cBhvr>
+                                        <p:cTn id="7" dur="500"/>
+                                        <p:tgtEl>
+                                          <p:spTgt spid="4"/>
+                                        </p:tgtEl>
+                                      </p:cBhvr>
+                                    </p:animEffect>
+                                  </p:childTnLst>
+                                </p:cTn>
+                              </p:par>
+                              <p:par>
+                                <p:cTn id="8" presetID="10" presetClass="entr" presetSubtype="0" fill="hold" grpId="0" nodeType="withEffect">
+                                  <p:stCondLst>
+                                    <p:cond delay="0"/>
+                                  </p:stCondLst>
+                                  <p:childTnLst>
+                                    <p:set>
+                                      <p:cBhvr>
+                                        <p:cTn id="9" dur="1" fill="hold">
+                                          <p:stCondLst>
+                                            <p:cond delay="0"/>
+                                          </p:stCondLst>
+                                        </p:cTn>
+                                        <p:tgtEl>
+                                          <p:spTgt spid="5"/>
+                                        </p:tgtEl>
+                                        <p:attrNameLst>
+                                          <p:attrName>style.visibility</p:attrName>
+                                        </p:attrNameLst>
+                                      </p:cBhvr>
+                                      <p:to>
+                                        <p:strVal val="visible"/>
+                                      </p:to>
+                                    </p:set>
+                                    <p:animEffect transition="in" filter="fade">
+                                      <p:cBhvr>
+                                        <p:cTn id="10" dur="500"/>
+                                        <p:tgtEl>
+                                          <p:spTgt spid="5"/>
+                                        </p:tgtEl>
+                                      </p:cBhvr>
+                                    </p:animEffect>
+                                  </p:childTnLst>
+                                </p:cTn>
+                              </p:par>
+                            </p:childTnLst>
+                          </p:cTn>
+                        </p:par>
+                      </p:childTnLst>
+                    </p:cTn>
+                  </p:par>
+                  <p:par>
+                    <p:cTn id="11" fill="hold">
+                      <p:stCondLst>
+                        <p:cond delay="indefinite"/>
+                      </p:stCondLst>
+                      <p:childTnLst>
+                        <p:par>
+                          <p:cTn id="12" fill="hold">
+                            <p:stCondLst>
+                              <p:cond delay="0"/>
+                            </p:stCondLst>
+                            <p:childTnLst>
+                              <p:par>
+                                <p:cTn id="13" presetID="1" presetClass="exit" presetSubtype="0" fill="hold" nodeType="clickEffect">
+                                  <p:stCondLst>
+                                    <p:cond delay="0"/>
+                                  </p:stCondLst>
+                                  <p:childTnLst>
+                                    <p:set>
+                                      <p:cBhvr>
+                                        <p:cTn id="14" dur="1" fill="hold">
+                                          <p:stCondLst>
+                                            <p:cond delay="0"/>
+                                          </p:stCondLst>
+                                        </p:cTn>
+                                        <p:tgtEl>
+                                          <p:spTgt spid="4"/>
+                                        </p:tgtEl>
+                                        <p:attrNameLst>
+                                          <p:attrName>style.visibility</p:attrName>
+                                        </p:attrNameLst>
+                                      </p:cBhvr>
+                                      <p:to>
+                                        <p:strVal val="hidden"/>
+                                      </p:to>
+                                    </p:set>
+                                  </p:childTnLst>
+                                </p:cTn>
+                              </p:par>
+                              <p:par>
+                                <p:cTn id="15" presetID="1" presetClass="exit" presetSubtype="0" fill="hold" grpId="1" nodeType="withEffect">
+                                  <p:stCondLst>
+                                    <p:cond delay="0"/>
+                                  </p:stCondLst>
+                                  <p:childTnLst>
+                                    <p:set>
+                                      <p:cBhvr>
+                                        <p:cTn id="16" dur="1" fill="hold">
+                                          <p:stCondLst>
+                                            <p:cond delay="0"/>
+                                          </p:stCondLst>
+                                        </p:cTn>
+                                        <p:tgtEl>
+                                          <p:spTgt spid="5"/>
+                                        </p:tgtEl>
+                                        <p:attrNameLst>
+                                          <p:attrName>style.visibility</p:attrName>
+                                        </p:attrNameLst>
+                                      </p:cBhvr>
+                                      <p:to>
+                                        <p:strVal val="hidden"/>
+                                      </p:to>
+                                    </p:set>
+                                  </p:childTnLst>
+                                </p:cTn>
+                              </p:par>
+                              <p:par>
+                                <p:cTn id="17" presetID="10" presetClass="entr" presetSubtype="0" fill="hold" nodeType="withEffect">
+                                  <p:stCondLst>
+                                    <p:cond delay="0"/>
+                                  </p:stCondLst>
+                                  <p:childTnLst>
+                                    <p:set>
+                                      <p:cBhvr>
+                                        <p:cTn id="18" dur="1" fill="hold">
+                                          <p:stCondLst>
+                                            <p:cond delay="0"/>
+                                          </p:stCondLst>
+                                        </p:cTn>
+                                        <p:tgtEl>
+                                          <p:spTgt spid="3">
+                                            <p:txEl>
+                                              <p:pRg st="0" end="0"/>
+                                            </p:txEl>
+                                          </p:spTgt>
+                                        </p:tgtEl>
+                                        <p:attrNameLst>
+                                          <p:attrName>style.visibility</p:attrName>
+                                        </p:attrNameLst>
+                                      </p:cBhvr>
+                                      <p:to>
+                                        <p:strVal val="visible"/>
+                                      </p:to>
+                                    </p:set>
+                                    <p:animEffect transition="in" filter="fade">
+                                      <p:cBhvr>
+                                        <p:cTn id="19" dur="500"/>
+                                        <p:tgtEl>
+                                          <p:spTgt spid="3">
+                                            <p:txEl>
+                                              <p:pRg st="0" end="0"/>
+                                            </p:txEl>
+                                          </p:spTgt>
+                                        </p:tgtEl>
+                                      </p:cBhvr>
+                                    </p:animEffect>
+                                  </p:childTnLst>
+                                </p:cTn>
+                              </p:par>
+                              <p:par>
+                                <p:cTn id="20" presetID="10" presetClass="entr" presetSubtype="0" fill="hold" nodeType="withEffect">
+                                  <p:stCondLst>
+                                    <p:cond delay="0"/>
+                                  </p:stCondLst>
+                                  <p:childTnLst>
+                                    <p:set>
+                                      <p:cBhvr>
+                                        <p:cTn id="21" dur="1" fill="hold">
+                                          <p:stCondLst>
+                                            <p:cond delay="0"/>
+                                          </p:stCondLst>
+                                        </p:cTn>
+                                        <p:tgtEl>
+                                          <p:spTgt spid="3">
+                                            <p:txEl>
+                                              <p:pRg st="1" end="1"/>
+                                            </p:txEl>
+                                          </p:spTgt>
+                                        </p:tgtEl>
+                                        <p:attrNameLst>
+                                          <p:attrName>style.visibility</p:attrName>
+                                        </p:attrNameLst>
+                                      </p:cBhvr>
+                                      <p:to>
+                                        <p:strVal val="visible"/>
+                                      </p:to>
+                                    </p:set>
+                                    <p:animEffect transition="in" filter="fade">
+                                      <p:cBhvr>
+                                        <p:cTn id="22" dur="500"/>
+                                        <p:tgtEl>
+                                          <p:spTgt spid="3">
+                                            <p:txEl>
+                                              <p:pRg st="1" end="1"/>
+                                            </p:txEl>
+                                          </p:spTgt>
+                                        </p:tgtEl>
+                                      </p:cBhvr>
+                                    </p:animEffect>
+                                  </p:childTnLst>
+                                </p:cTn>
+                              </p:par>
+                              <p:par>
+                                <p:cTn id="23" presetID="10" presetClass="entr" presetSubtype="0" fill="hold" nodeType="withEffect">
+                                  <p:stCondLst>
+                                    <p:cond delay="0"/>
+                                  </p:stCondLst>
+                                  <p:childTnLst>
+                                    <p:set>
+                                      <p:cBhvr>
+                                        <p:cTn id="24" dur="1" fill="hold">
+                                          <p:stCondLst>
+                                            <p:cond delay="0"/>
+                                          </p:stCondLst>
+                                        </p:cTn>
+                                        <p:tgtEl>
+                                          <p:spTgt spid="3">
+                                            <p:txEl>
+                                              <p:pRg st="2" end="2"/>
+                                            </p:txEl>
+                                          </p:spTgt>
+                                        </p:tgtEl>
+                                        <p:attrNameLst>
+                                          <p:attrName>style.visibility</p:attrName>
+                                        </p:attrNameLst>
+                                      </p:cBhvr>
+                                      <p:to>
+                                        <p:strVal val="visible"/>
+                                      </p:to>
+                                    </p:set>
+                                    <p:animEffect transition="in" filter="fade">
+                                      <p:cBhvr>
+                                        <p:cTn id="25" dur="500"/>
+                                        <p:tgtEl>
+                                          <p:spTgt spid="3">
+                                            <p:txEl>
+                                              <p:pRg st="2" end="2"/>
+                                            </p:txEl>
+                                          </p:spTgt>
+                                        </p:tgtEl>
+                                      </p:cBhvr>
+                                    </p:animEffect>
+                                  </p:childTnLst>
+                                </p:cTn>
+                              </p:par>
+                              <p:par>
+                                <p:cTn id="26" presetID="10" presetClass="entr" presetSubtype="0" fill="hold" nodeType="withEffect">
+                                  <p:stCondLst>
+                                    <p:cond delay="0"/>
+                                  </p:stCondLst>
+                                  <p:childTnLst>
+                                    <p:set>
+                                      <p:cBhvr>
+                                        <p:cTn id="27" dur="1" fill="hold">
+                                          <p:stCondLst>
+                                            <p:cond delay="0"/>
+                                          </p:stCondLst>
+                                        </p:cTn>
+                                        <p:tgtEl>
+                                          <p:spTgt spid="3">
+                                            <p:txEl>
+                                              <p:pRg st="3" end="3"/>
+                                            </p:txEl>
+                                          </p:spTgt>
+                                        </p:tgtEl>
+                                        <p:attrNameLst>
+                                          <p:attrName>style.visibility</p:attrName>
+                                        </p:attrNameLst>
+                                      </p:cBhvr>
+                                      <p:to>
+                                        <p:strVal val="visible"/>
+                                      </p:to>
+                                    </p:set>
+                                    <p:animEffect transition="in" filter="fade">
+                                      <p:cBhvr>
+                                        <p:cTn id="28" dur="500"/>
+                                        <p:tgtEl>
+                                          <p:spTgt spid="3">
+                                            <p:txEl>
+                                              <p:pRg st="3" end="3"/>
+                                            </p:txEl>
+                                          </p:spTgt>
+                                        </p:tgtEl>
+                                      </p:cBhvr>
+                                    </p:animEffect>
+                                  </p:childTnLst>
+                                </p:cTn>
+                              </p:par>
+                              <p:par>
+                                <p:cTn id="29" presetID="10" presetClass="entr" presetSubtype="0" fill="hold" nodeType="withEffect">
+                                  <p:stCondLst>
+                                    <p:cond delay="0"/>
+                                  </p:stCondLst>
+                                  <p:childTnLst>
+                                    <p:set>
+                                      <p:cBhvr>
+                                        <p:cTn id="30" dur="1" fill="hold">
+                                          <p:stCondLst>
+                                            <p:cond delay="0"/>
+                                          </p:stCondLst>
+                                        </p:cTn>
+                                        <p:tgtEl>
+                                          <p:spTgt spid="3">
+                                            <p:txEl>
+                                              <p:pRg st="4" end="4"/>
+                                            </p:txEl>
+                                          </p:spTgt>
+                                        </p:tgtEl>
+                                        <p:attrNameLst>
+                                          <p:attrName>style.visibility</p:attrName>
+                                        </p:attrNameLst>
+                                      </p:cBhvr>
+                                      <p:to>
+                                        <p:strVal val="visible"/>
+                                      </p:to>
+                                    </p:set>
+                                    <p:animEffect transition="in" filter="fade">
+                                      <p:cBhvr>
+                                        <p:cTn id="31" dur="500"/>
+                                        <p:tgtEl>
+                                          <p:spTgt spid="3">
+                                            <p:txEl>
+                                              <p:pRg st="4" end="4"/>
+                                            </p:txEl>
+                                          </p:spTgt>
+                                        </p:tgtEl>
+                                      </p:cBhvr>
+                                    </p:animEffect>
+                                  </p:childTnLst>
+                                </p:cTn>
+                              </p:par>
+                              <p:par>
+                                <p:cTn id="32" presetID="10" presetClass="entr" presetSubtype="0" fill="hold" nodeType="withEffect">
+                                  <p:stCondLst>
+                                    <p:cond delay="0"/>
+                                  </p:stCondLst>
+                                  <p:childTnLst>
+                                    <p:set>
+                                      <p:cBhvr>
+                                        <p:cTn id="33" dur="1" fill="hold">
+                                          <p:stCondLst>
+                                            <p:cond delay="0"/>
+                                          </p:stCondLst>
+                                        </p:cTn>
+                                        <p:tgtEl>
+                                          <p:spTgt spid="3">
+                                            <p:txEl>
+                                              <p:pRg st="5" end="5"/>
+                                            </p:txEl>
+                                          </p:spTgt>
+                                        </p:tgtEl>
+                                        <p:attrNameLst>
+                                          <p:attrName>style.visibility</p:attrName>
+                                        </p:attrNameLst>
+                                      </p:cBhvr>
+                                      <p:to>
+                                        <p:strVal val="visible"/>
+                                      </p:to>
+                                    </p:set>
+                                    <p:animEffect transition="in" filter="fade">
+                                      <p:cBhvr>
+                                        <p:cTn id="34" dur="500"/>
+                                        <p:tgtEl>
+                                          <p:spTgt spid="3">
+                                            <p:txEl>
+                                              <p:pRg st="5" end="5"/>
+                                            </p:txEl>
+                                          </p:spTgt>
+                                        </p:tgtEl>
+                                      </p:cBhvr>
+                                    </p:animEffect>
+                                  </p:childTnLst>
+                                </p:cTn>
+                              </p:par>
+                              <p:par>
+                                <p:cTn id="35" presetID="10" presetClass="entr" presetSubtype="0" fill="hold" nodeType="withEffect">
+                                  <p:stCondLst>
+                                    <p:cond delay="0"/>
+                                  </p:stCondLst>
+                                  <p:childTnLst>
+                                    <p:set>
+                                      <p:cBhvr>
+                                        <p:cTn id="36" dur="1" fill="hold">
+                                          <p:stCondLst>
+                                            <p:cond delay="0"/>
+                                          </p:stCondLst>
+                                        </p:cTn>
+                                        <p:tgtEl>
+                                          <p:spTgt spid="3">
+                                            <p:txEl>
+                                              <p:pRg st="6" end="6"/>
+                                            </p:txEl>
+                                          </p:spTgt>
+                                        </p:tgtEl>
+                                        <p:attrNameLst>
+                                          <p:attrName>style.visibility</p:attrName>
+                                        </p:attrNameLst>
+                                      </p:cBhvr>
+                                      <p:to>
+                                        <p:strVal val="visible"/>
+                                      </p:to>
+                                    </p:set>
+                                    <p:animEffect transition="in" filter="fade">
+                                      <p:cBhvr>
+                                        <p:cTn id="37" dur="500"/>
+                                        <p:tgtEl>
+                                          <p:spTgt spid="3">
+                                            <p:txEl>
+                                              <p:pRg st="6" end="6"/>
+                                            </p:txEl>
+                                          </p:spTgt>
+                                        </p:tgtEl>
+                                      </p:cBhvr>
+                                    </p:animEffect>
+                                  </p:childTnLst>
+                                </p:cTn>
+                              </p:par>
+                              <p:par>
+                                <p:cTn id="38" presetID="10" presetClass="entr" presetSubtype="0" fill="hold" nodeType="withEffect">
+                                  <p:stCondLst>
+                                    <p:cond delay="0"/>
+                                  </p:stCondLst>
+                                  <p:childTnLst>
+                                    <p:set>
+                                      <p:cBhvr>
+                                        <p:cTn id="39" dur="1" fill="hold">
+                                          <p:stCondLst>
+                                            <p:cond delay="0"/>
+                                          </p:stCondLst>
+                                        </p:cTn>
+                                        <p:tgtEl>
+                                          <p:spTgt spid="3">
+                                            <p:txEl>
+                                              <p:pRg st="7" end="7"/>
+                                            </p:txEl>
+                                          </p:spTgt>
+                                        </p:tgtEl>
+                                        <p:attrNameLst>
+                                          <p:attrName>style.visibility</p:attrName>
+                                        </p:attrNameLst>
+                                      </p:cBhvr>
+                                      <p:to>
+                                        <p:strVal val="visible"/>
+                                      </p:to>
+                                    </p:set>
+                                    <p:animEffect transition="in" filter="fade">
+                                      <p:cBhvr>
+                                        <p:cTn id="40" dur="500"/>
+                                        <p:tgtEl>
+                                          <p:spTgt spid="3">
+                                            <p:txEl>
+                                              <p:pRg st="7" end="7"/>
+                                            </p:txEl>
+                                          </p:spTgt>
+                                        </p:tgtEl>
+                                      </p:cBhvr>
+                                    </p:animEffect>
+                                  </p:childTnLst>
+                                </p:cTn>
+                              </p:par>
+                              <p:par>
+                                <p:cTn id="41" presetID="10" presetClass="entr" presetSubtype="0" fill="hold" nodeType="withEffect">
+                                  <p:stCondLst>
+                                    <p:cond delay="0"/>
+                                  </p:stCondLst>
+                                  <p:childTnLst>
+                                    <p:set>
+                                      <p:cBhvr>
+                                        <p:cTn id="42" dur="1" fill="hold">
+                                          <p:stCondLst>
+                                            <p:cond delay="0"/>
+                                          </p:stCondLst>
+                                        </p:cTn>
+                                        <p:tgtEl>
+                                          <p:spTgt spid="3">
+                                            <p:txEl>
+                                              <p:pRg st="8" end="8"/>
+                                            </p:txEl>
+                                          </p:spTgt>
+                                        </p:tgtEl>
+                                        <p:attrNameLst>
+                                          <p:attrName>style.visibility</p:attrName>
+                                        </p:attrNameLst>
+                                      </p:cBhvr>
+                                      <p:to>
+                                        <p:strVal val="visible"/>
+                                      </p:to>
+                                    </p:set>
+                                    <p:animEffect transition="in" filter="fade">
+                                      <p:cBhvr>
+                                        <p:cTn id="43" dur="500"/>
+                                        <p:tgtEl>
+                                          <p:spTgt spid="3">
+                                            <p:txEl>
+                                              <p:pRg st="8" end="8"/>
+                                            </p:txEl>
+                                          </p:spTgt>
+                                        </p:tgtEl>
+                                      </p:cBhvr>
+                                    </p:animEffect>
+                                  </p:childTnLst>
+                                </p:cTn>
+                              </p:par>
+                            </p:childTnLst>
+                          </p:cTn>
+                        </p:par>
+                      </p:childTnLst>
+                    </p:cTn>
+                  </p:par>
+                </p:childTnLst>
+              </p:cTn>
+              <p:prevCondLst>
+                <p:cond evt="onPrev" delay="0">
+                  <p:tgtEl>
+                    <p:sldTgt/>
+                  </p:tgtEl>
+                </p:cond>
+              </p:prevCondLst>
+              <p:nextCondLst>
+                <p:cond evt="onNext" delay="0">
+                  <p:tgtEl>
+                    <p:sldTgt/>
+                  </p:tgtEl>
+                </p:cond>
+              </p:nextCondLst>
+            </p:seq>
+          </p:childTnLst>
+        </p:cTn>
+      </p:par>
+    </p:tnLst>
+    <p:bldLst>
+      <p:bldP spid="5" grpId="0"/>
+      <p:bldP spid="5" grpId="1"/>
+    </p:bldLst>
+  </p:timing>
 </p:sld>
 </file>
 
@@ -4168,93 +5796,704 @@
             <a:endParaRPr lang="en-US" sz="2400" b="1" dirty="0" smtClean="0"/>
           </a:p>
           <a:p>
+            <a:endParaRPr lang="en-US" dirty="0" smtClean="0"/>
+          </a:p>
+          <a:p>
+            <a:endParaRPr lang="en-US" dirty="0"/>
+          </a:p>
+          <a:p>
+            <a:r>
+              <a:rPr lang="en-US" sz="2400" i="1" dirty="0" smtClean="0"/>
+              <a:t>The objective - To deliver a set of customers with known demands on minimum-cost vehicle routes originating and terminating at a depot. ( with necessary restrictions or relaxations )</a:t>
+            </a:r>
+          </a:p>
+          <a:p>
+            <a:endParaRPr lang="en-US" dirty="0"/>
+          </a:p>
+        </p:txBody>
+      </p:sp>
+    </p:spTree>
+    <p:extLst>
+      <p:ext uri="{BB962C8B-B14F-4D97-AF65-F5344CB8AC3E}">
+        <p14:creationId xmlns:p14="http://schemas.microsoft.com/office/powerpoint/2010/main" val="296598876"/>
+      </p:ext>
+    </p:extLst>
+  </p:cSld>
+  <p:clrMapOvr>
+    <a:masterClrMapping/>
+  </p:clrMapOvr>
+  <p:timing>
+    <p:tnLst>
+      <p:par>
+        <p:cTn id="1" dur="indefinite" restart="never" nodeType="tmRoot"/>
+      </p:par>
+    </p:tnLst>
+  </p:timing>
+</p:sld>
+</file>
+
+<file path=ppt/slides/slide5.xml><?xml version="1.0" encoding="utf-8"?>
+<p:sld xmlns:a="http://schemas.openxmlformats.org/drawingml/2006/main" xmlns:r="http://schemas.openxmlformats.org/officeDocument/2006/relationships" xmlns:p="http://schemas.openxmlformats.org/presentationml/2006/main">
+  <p:cSld>
+    <p:spTree>
+      <p:nvGrpSpPr>
+        <p:cNvPr id="1" name=""/>
+        <p:cNvGrpSpPr/>
+        <p:nvPr/>
+      </p:nvGrpSpPr>
+      <p:grpSpPr>
+        <a:xfrm>
+          <a:off x="0" y="0"/>
+          <a:ext cx="0" cy="0"/>
+          <a:chOff x="0" y="0"/>
+          <a:chExt cx="0" cy="0"/>
+        </a:xfrm>
+      </p:grpSpPr>
+      <p:sp>
+        <p:nvSpPr>
+          <p:cNvPr id="2" name="Title 1"/>
+          <p:cNvSpPr>
+            <a:spLocks noGrp="1"/>
+          </p:cNvSpPr>
+          <p:nvPr>
+            <p:ph type="title"/>
+          </p:nvPr>
+        </p:nvSpPr>
+        <p:spPr/>
+        <p:txBody>
+          <a:bodyPr/>
+          <a:lstStyle/>
+          <a:p>
             <a:r>
               <a:rPr lang="en-US" dirty="0" smtClean="0"/>
-              <a:t>Combinatorial </a:t>
-            </a:r>
-            <a:r>
-              <a:rPr lang="en-US" dirty="0"/>
-              <a:t>optimization and integer programming problem seeking to service a number of customers with a fleet of vehicles. </a:t>
-            </a:r>
-            <a:endParaRPr lang="en-US" dirty="0" smtClean="0"/>
-          </a:p>
-          <a:p>
+              <a:t>HOW?</a:t>
+            </a:r>
+            <a:endParaRPr lang="en-US" dirty="0"/>
+          </a:p>
+        </p:txBody>
+      </p:sp>
+      <p:sp>
+        <p:nvSpPr>
+          <p:cNvPr id="4" name="TextBox 3"/>
+          <p:cNvSpPr txBox="1"/>
+          <p:nvPr/>
+        </p:nvSpPr>
+        <p:spPr>
+          <a:xfrm>
+            <a:off x="1301996" y="1869743"/>
+            <a:ext cx="9567080" cy="3554819"/>
+          </a:xfrm>
+          <a:prstGeom prst="rect">
+            <a:avLst/>
+          </a:prstGeom>
+          <a:noFill/>
+        </p:spPr>
+        <p:txBody>
+          <a:bodyPr wrap="square" rtlCol="0">
+            <a:spAutoFit/>
+          </a:bodyPr>
+          <a:lstStyle/>
+          <a:p>
+            <a:pPr marL="201168" lvl="1">
+              <a:lnSpc>
+                <a:spcPct val="90000"/>
+              </a:lnSpc>
+              <a:spcBef>
+                <a:spcPts val="200"/>
+              </a:spcBef>
+              <a:spcAft>
+                <a:spcPts val="400"/>
+              </a:spcAft>
+              <a:buClr>
+                <a:schemeClr val="accent1"/>
+              </a:buClr>
+            </a:pPr>
+            <a:r>
+              <a:rPr lang="en-US" sz="2000" b="1" dirty="0" smtClean="0">
+                <a:solidFill>
+                  <a:schemeClr val="tx1">
+                    <a:lumMod val="75000"/>
+                    <a:lumOff val="25000"/>
+                  </a:schemeClr>
+                </a:solidFill>
+              </a:rPr>
+              <a:t>Exact </a:t>
+            </a:r>
+            <a:r>
+              <a:rPr lang="en-US" sz="2000" b="1" dirty="0">
+                <a:solidFill>
+                  <a:schemeClr val="tx1">
+                    <a:lumMod val="75000"/>
+                    <a:lumOff val="25000"/>
+                  </a:schemeClr>
+                </a:solidFill>
+              </a:rPr>
+              <a:t>Approach</a:t>
+            </a:r>
+          </a:p>
+          <a:p>
+            <a:pPr marL="841248" lvl="2" indent="-182880">
+              <a:lnSpc>
+                <a:spcPct val="90000"/>
+              </a:lnSpc>
+              <a:spcBef>
+                <a:spcPts val="200"/>
+              </a:spcBef>
+              <a:spcAft>
+                <a:spcPts val="400"/>
+              </a:spcAft>
+              <a:buClr>
+                <a:schemeClr val="accent1"/>
+              </a:buClr>
+              <a:buFont typeface="Calibri" pitchFamily="34" charset="0"/>
+              <a:buChar char="◦"/>
+            </a:pPr>
+            <a:r>
+              <a:rPr lang="en-US" sz="2000" dirty="0">
+                <a:solidFill>
+                  <a:schemeClr val="tx1">
+                    <a:lumMod val="75000"/>
+                    <a:lumOff val="25000"/>
+                  </a:schemeClr>
+                </a:solidFill>
+              </a:rPr>
+              <a:t>TSP</a:t>
+            </a:r>
+          </a:p>
+          <a:p>
+            <a:pPr marL="841248" lvl="2" indent="-182880">
+              <a:lnSpc>
+                <a:spcPct val="90000"/>
+              </a:lnSpc>
+              <a:spcBef>
+                <a:spcPts val="200"/>
+              </a:spcBef>
+              <a:spcAft>
+                <a:spcPts val="400"/>
+              </a:spcAft>
+              <a:buClr>
+                <a:schemeClr val="accent1"/>
+              </a:buClr>
+              <a:buFont typeface="Calibri" pitchFamily="34" charset="0"/>
+              <a:buChar char="◦"/>
+            </a:pPr>
+            <a:r>
+              <a:rPr lang="en-US" sz="2000" dirty="0">
+                <a:solidFill>
+                  <a:schemeClr val="tx1">
+                    <a:lumMod val="75000"/>
+                    <a:lumOff val="25000"/>
+                  </a:schemeClr>
+                </a:solidFill>
+              </a:rPr>
+              <a:t>Branch and Bound</a:t>
+            </a:r>
+          </a:p>
+          <a:p>
+            <a:pPr marL="201168" lvl="1">
+              <a:lnSpc>
+                <a:spcPct val="90000"/>
+              </a:lnSpc>
+              <a:spcBef>
+                <a:spcPts val="200"/>
+              </a:spcBef>
+              <a:spcAft>
+                <a:spcPts val="400"/>
+              </a:spcAft>
+              <a:buClr>
+                <a:schemeClr val="accent1"/>
+              </a:buClr>
+            </a:pPr>
+            <a:r>
+              <a:rPr lang="en-US" sz="2000" b="1" dirty="0">
+                <a:solidFill>
+                  <a:schemeClr val="tx1">
+                    <a:lumMod val="75000"/>
+                    <a:lumOff val="25000"/>
+                  </a:schemeClr>
+                </a:solidFill>
+              </a:rPr>
+              <a:t>Heuristics</a:t>
+            </a:r>
+          </a:p>
+          <a:p>
+            <a:pPr marL="841248" lvl="2" indent="-182880">
+              <a:lnSpc>
+                <a:spcPct val="90000"/>
+              </a:lnSpc>
+              <a:spcBef>
+                <a:spcPts val="200"/>
+              </a:spcBef>
+              <a:spcAft>
+                <a:spcPts val="400"/>
+              </a:spcAft>
+              <a:buClr>
+                <a:schemeClr val="accent1"/>
+              </a:buClr>
+              <a:buFont typeface="Calibri" pitchFamily="34" charset="0"/>
+              <a:buChar char="◦"/>
+            </a:pPr>
+            <a:r>
+              <a:rPr lang="en-US" sz="2000" dirty="0">
+                <a:solidFill>
+                  <a:schemeClr val="tx1">
+                    <a:lumMod val="75000"/>
+                    <a:lumOff val="25000"/>
+                  </a:schemeClr>
+                </a:solidFill>
+              </a:rPr>
+              <a:t>Savings: Clark and Wright</a:t>
+            </a:r>
+          </a:p>
+          <a:p>
+            <a:pPr marL="841248" lvl="2" indent="-182880">
+              <a:lnSpc>
+                <a:spcPct val="90000"/>
+              </a:lnSpc>
+              <a:spcBef>
+                <a:spcPts val="200"/>
+              </a:spcBef>
+              <a:spcAft>
+                <a:spcPts val="400"/>
+              </a:spcAft>
+              <a:buClr>
+                <a:schemeClr val="accent1"/>
+              </a:buClr>
+              <a:buFont typeface="Calibri" pitchFamily="34" charset="0"/>
+              <a:buChar char="◦"/>
+            </a:pPr>
+            <a:r>
+              <a:rPr lang="en-US" sz="2000" dirty="0">
+                <a:solidFill>
+                  <a:schemeClr val="tx1">
+                    <a:lumMod val="75000"/>
+                    <a:lumOff val="25000"/>
+                  </a:schemeClr>
+                </a:solidFill>
+              </a:rPr>
+              <a:t>Extension: Holmes and Parker</a:t>
+            </a:r>
+          </a:p>
+          <a:p>
+            <a:pPr marL="201168" lvl="1">
+              <a:lnSpc>
+                <a:spcPct val="90000"/>
+              </a:lnSpc>
+              <a:spcBef>
+                <a:spcPts val="200"/>
+              </a:spcBef>
+              <a:spcAft>
+                <a:spcPts val="400"/>
+              </a:spcAft>
+              <a:buClr>
+                <a:schemeClr val="accent1"/>
+              </a:buClr>
+            </a:pPr>
+            <a:r>
+              <a:rPr lang="en-US" sz="2000" b="1" dirty="0">
+                <a:solidFill>
+                  <a:schemeClr val="tx1">
+                    <a:lumMod val="75000"/>
+                    <a:lumOff val="25000"/>
+                  </a:schemeClr>
+                </a:solidFill>
+              </a:rPr>
+              <a:t>Meta Heuristics</a:t>
+            </a:r>
+          </a:p>
+          <a:p>
+            <a:pPr marL="841248" lvl="2" indent="-182880">
+              <a:lnSpc>
+                <a:spcPct val="90000"/>
+              </a:lnSpc>
+              <a:spcBef>
+                <a:spcPts val="200"/>
+              </a:spcBef>
+              <a:spcAft>
+                <a:spcPts val="400"/>
+              </a:spcAft>
+              <a:buClr>
+                <a:schemeClr val="accent1"/>
+              </a:buClr>
+              <a:buFont typeface="Calibri" pitchFamily="34" charset="0"/>
+              <a:buChar char="◦"/>
+            </a:pPr>
+            <a:r>
+              <a:rPr lang="en-US" sz="2000" dirty="0">
+                <a:solidFill>
+                  <a:schemeClr val="tx1">
+                    <a:lumMod val="75000"/>
+                    <a:lumOff val="25000"/>
+                  </a:schemeClr>
+                </a:solidFill>
+              </a:rPr>
+              <a:t>Genetic Algorithm</a:t>
+            </a:r>
+          </a:p>
+          <a:p>
+            <a:pPr marL="841248" lvl="2" indent="-182880">
+              <a:lnSpc>
+                <a:spcPct val="90000"/>
+              </a:lnSpc>
+              <a:spcBef>
+                <a:spcPts val="200"/>
+              </a:spcBef>
+              <a:spcAft>
+                <a:spcPts val="400"/>
+              </a:spcAft>
+              <a:buClr>
+                <a:schemeClr val="accent1"/>
+              </a:buClr>
+              <a:buFont typeface="Calibri" pitchFamily="34" charset="0"/>
+              <a:buChar char="◦"/>
+            </a:pPr>
+            <a:r>
+              <a:rPr lang="en-US" sz="2000" dirty="0">
+                <a:solidFill>
+                  <a:schemeClr val="tx1">
+                    <a:lumMod val="75000"/>
+                    <a:lumOff val="25000"/>
+                  </a:schemeClr>
+                </a:solidFill>
+              </a:rPr>
+              <a:t>Constraint </a:t>
+            </a:r>
+            <a:r>
+              <a:rPr lang="en-US" sz="2000" dirty="0"/>
+              <a:t>Satisfaction </a:t>
+            </a:r>
+            <a:r>
+              <a:rPr lang="en-US" sz="2000" dirty="0" smtClean="0"/>
+              <a:t>Problem</a:t>
+            </a:r>
+          </a:p>
+          <a:p>
+            <a:pPr marL="384048" lvl="1" indent="-182880">
+              <a:lnSpc>
+                <a:spcPct val="90000"/>
+              </a:lnSpc>
+              <a:spcBef>
+                <a:spcPts val="200"/>
+              </a:spcBef>
+              <a:spcAft>
+                <a:spcPts val="400"/>
+              </a:spcAft>
+              <a:buClr>
+                <a:schemeClr val="accent1"/>
+              </a:buClr>
+              <a:buFont typeface="Calibri" pitchFamily="34" charset="0"/>
+              <a:buChar char="◦"/>
+            </a:pPr>
+            <a:endParaRPr lang="en-US" sz="2000" dirty="0"/>
+          </a:p>
+        </p:txBody>
+      </p:sp>
+      <p:sp>
+        <p:nvSpPr>
+          <p:cNvPr id="5" name="Right Brace 4"/>
+          <p:cNvSpPr/>
+          <p:nvPr/>
+        </p:nvSpPr>
+        <p:spPr>
+          <a:xfrm>
+            <a:off x="7642745" y="1869743"/>
+            <a:ext cx="1214651" cy="3289111"/>
+          </a:xfrm>
+          <a:prstGeom prst="rightBrace">
+            <a:avLst/>
+          </a:prstGeom>
+        </p:spPr>
+        <p:style>
+          <a:lnRef idx="1">
+            <a:schemeClr val="accent1"/>
+          </a:lnRef>
+          <a:fillRef idx="0">
+            <a:schemeClr val="accent1"/>
+          </a:fillRef>
+          <a:effectRef idx="0">
+            <a:schemeClr val="accent1"/>
+          </a:effectRef>
+          <a:fontRef idx="minor">
+            <a:schemeClr val="tx1"/>
+          </a:fontRef>
+        </p:style>
+        <p:txBody>
+          <a:bodyPr rtlCol="0" anchor="ctr"/>
+          <a:lstStyle/>
+          <a:p>
+            <a:pPr algn="ctr"/>
+            <a:endParaRPr lang="en-US"/>
+          </a:p>
+        </p:txBody>
+      </p:sp>
+      <p:sp>
+        <p:nvSpPr>
+          <p:cNvPr id="6" name="Oval Callout 5"/>
+          <p:cNvSpPr/>
+          <p:nvPr/>
+        </p:nvSpPr>
+        <p:spPr>
+          <a:xfrm>
+            <a:off x="8375630" y="1082267"/>
+            <a:ext cx="3538865" cy="2002127"/>
+          </a:xfrm>
+          <a:prstGeom prst="wedgeEllipseCallout">
+            <a:avLst/>
+          </a:prstGeom>
+        </p:spPr>
+        <p:style>
+          <a:lnRef idx="2">
+            <a:schemeClr val="accent6"/>
+          </a:lnRef>
+          <a:fillRef idx="1">
+            <a:schemeClr val="lt1"/>
+          </a:fillRef>
+          <a:effectRef idx="0">
+            <a:schemeClr val="accent6"/>
+          </a:effectRef>
+          <a:fontRef idx="minor">
+            <a:schemeClr val="dk1"/>
+          </a:fontRef>
+        </p:style>
+        <p:txBody>
+          <a:bodyPr rtlCol="0" anchor="ctr"/>
+          <a:lstStyle/>
+          <a:p>
+            <a:pPr algn="ctr"/>
             <a:r>
               <a:rPr lang="en-US" dirty="0" smtClean="0"/>
-              <a:t>Proposed </a:t>
-            </a:r>
-            <a:r>
-              <a:rPr lang="en-US" dirty="0"/>
-              <a:t>by </a:t>
-            </a:r>
-            <a:r>
-              <a:rPr lang="en-US" dirty="0" err="1"/>
-              <a:t>Dantzig</a:t>
-            </a:r>
-            <a:r>
-              <a:rPr lang="en-US" dirty="0"/>
-              <a:t> and </a:t>
-            </a:r>
-            <a:r>
-              <a:rPr lang="en-US" dirty="0" err="1"/>
-              <a:t>Ramser</a:t>
-            </a:r>
-            <a:r>
-              <a:rPr lang="en-US" dirty="0"/>
-              <a:t> in 1959, </a:t>
-            </a:r>
-            <a:endParaRPr lang="en-US" dirty="0" smtClean="0"/>
-          </a:p>
-          <a:p>
+              <a:t> But how would I know how good is my solution ?</a:t>
+            </a:r>
+            <a:endParaRPr lang="en-US" dirty="0"/>
+          </a:p>
+        </p:txBody>
+      </p:sp>
+    </p:spTree>
+    <p:extLst>
+      <p:ext uri="{BB962C8B-B14F-4D97-AF65-F5344CB8AC3E}">
+        <p14:creationId xmlns:p14="http://schemas.microsoft.com/office/powerpoint/2010/main" val="1805879768"/>
+      </p:ext>
+    </p:extLst>
+  </p:cSld>
+  <p:clrMapOvr>
+    <a:masterClrMapping/>
+  </p:clrMapOvr>
+  <p:timing>
+    <p:tnLst>
+      <p:par>
+        <p:cTn id="1" dur="indefinite" restart="never" nodeType="tmRoot">
+          <p:childTnLst>
+            <p:seq concurrent="1" nextAc="seek">
+              <p:cTn id="2" dur="indefinite" nodeType="mainSeq">
+                <p:childTnLst>
+                  <p:par>
+                    <p:cTn id="3" fill="hold">
+                      <p:stCondLst>
+                        <p:cond delay="indefinite"/>
+                      </p:stCondLst>
+                      <p:childTnLst>
+                        <p:par>
+                          <p:cTn id="4" fill="hold">
+                            <p:stCondLst>
+                              <p:cond delay="0"/>
+                            </p:stCondLst>
+                            <p:childTnLst>
+                              <p:par>
+                                <p:cTn id="5" presetID="1" presetClass="entr" presetSubtype="0" fill="hold" grpId="0" nodeType="clickEffect">
+                                  <p:stCondLst>
+                                    <p:cond delay="0"/>
+                                  </p:stCondLst>
+                                  <p:childTnLst>
+                                    <p:set>
+                                      <p:cBhvr>
+                                        <p:cTn id="6" dur="1" fill="hold">
+                                          <p:stCondLst>
+                                            <p:cond delay="0"/>
+                                          </p:stCondLst>
+                                        </p:cTn>
+                                        <p:tgtEl>
+                                          <p:spTgt spid="5"/>
+                                        </p:tgtEl>
+                                        <p:attrNameLst>
+                                          <p:attrName>style.visibility</p:attrName>
+                                        </p:attrNameLst>
+                                      </p:cBhvr>
+                                      <p:to>
+                                        <p:strVal val="visible"/>
+                                      </p:to>
+                                    </p:set>
+                                  </p:childTnLst>
+                                </p:cTn>
+                              </p:par>
+                              <p:par>
+                                <p:cTn id="7" presetID="1" presetClass="entr" presetSubtype="0" fill="hold" grpId="0" nodeType="withEffect">
+                                  <p:stCondLst>
+                                    <p:cond delay="0"/>
+                                  </p:stCondLst>
+                                  <p:childTnLst>
+                                    <p:set>
+                                      <p:cBhvr>
+                                        <p:cTn id="8" dur="1" fill="hold">
+                                          <p:stCondLst>
+                                            <p:cond delay="0"/>
+                                          </p:stCondLst>
+                                        </p:cTn>
+                                        <p:tgtEl>
+                                          <p:spTgt spid="6"/>
+                                        </p:tgtEl>
+                                        <p:attrNameLst>
+                                          <p:attrName>style.visibility</p:attrName>
+                                        </p:attrNameLst>
+                                      </p:cBhvr>
+                                      <p:to>
+                                        <p:strVal val="visible"/>
+                                      </p:to>
+                                    </p:set>
+                                  </p:childTnLst>
+                                </p:cTn>
+                              </p:par>
+                            </p:childTnLst>
+                          </p:cTn>
+                        </p:par>
+                      </p:childTnLst>
+                    </p:cTn>
+                  </p:par>
+                </p:childTnLst>
+              </p:cTn>
+              <p:prevCondLst>
+                <p:cond evt="onPrev" delay="0">
+                  <p:tgtEl>
+                    <p:sldTgt/>
+                  </p:tgtEl>
+                </p:cond>
+              </p:prevCondLst>
+              <p:nextCondLst>
+                <p:cond evt="onNext" delay="0">
+                  <p:tgtEl>
+                    <p:sldTgt/>
+                  </p:tgtEl>
+                </p:cond>
+              </p:nextCondLst>
+            </p:seq>
+          </p:childTnLst>
+        </p:cTn>
+      </p:par>
+    </p:tnLst>
+    <p:bldLst>
+      <p:bldP spid="5" grpId="0" animBg="1"/>
+      <p:bldP spid="6" grpId="0" animBg="1"/>
+    </p:bldLst>
+  </p:timing>
+</p:sld>
+</file>
+
+<file path=ppt/slides/slide6.xml><?xml version="1.0" encoding="utf-8"?>
+<p:sld xmlns:a="http://schemas.openxmlformats.org/drawingml/2006/main" xmlns:r="http://schemas.openxmlformats.org/officeDocument/2006/relationships" xmlns:p="http://schemas.openxmlformats.org/presentationml/2006/main">
+  <p:cSld>
+    <p:spTree>
+      <p:nvGrpSpPr>
+        <p:cNvPr id="1" name=""/>
+        <p:cNvGrpSpPr/>
+        <p:nvPr/>
+      </p:nvGrpSpPr>
+      <p:grpSpPr>
+        <a:xfrm>
+          <a:off x="0" y="0"/>
+          <a:ext cx="0" cy="0"/>
+          <a:chOff x="0" y="0"/>
+          <a:chExt cx="0" cy="0"/>
+        </a:xfrm>
+      </p:grpSpPr>
+      <p:sp>
+        <p:nvSpPr>
+          <p:cNvPr id="2" name="Title 1"/>
+          <p:cNvSpPr>
+            <a:spLocks noGrp="1"/>
+          </p:cNvSpPr>
+          <p:nvPr>
+            <p:ph type="title"/>
+          </p:nvPr>
+        </p:nvSpPr>
+        <p:spPr/>
+        <p:txBody>
+          <a:bodyPr/>
+          <a:lstStyle/>
+          <a:p>
+            <a:pPr algn="ctr"/>
             <a:r>
               <a:rPr lang="en-US" dirty="0" smtClean="0"/>
-              <a:t>Variables  ( several depots, dispersed </a:t>
-            </a:r>
-            <a:r>
-              <a:rPr lang="en-US" dirty="0"/>
-              <a:t>cities /</a:t>
-            </a:r>
-            <a:r>
-              <a:rPr lang="en-US" dirty="0" smtClean="0"/>
-              <a:t>customers, vehicle fleet / delivery executives)</a:t>
-            </a:r>
-          </a:p>
-          <a:p>
-            <a:r>
-              <a:rPr lang="en-US" dirty="0" smtClean="0"/>
-              <a:t> </a:t>
-            </a:r>
-          </a:p>
-          <a:p>
-            <a:r>
-              <a:rPr lang="en-US" dirty="0"/>
-              <a:t>The </a:t>
-            </a:r>
-            <a:r>
-              <a:rPr lang="en-US" dirty="0" smtClean="0"/>
-              <a:t>objective - To </a:t>
-            </a:r>
-            <a:r>
-              <a:rPr lang="en-US" dirty="0"/>
-              <a:t>deliver a set of customers with known demands on minimum-cost vehicle routes originating and terminating at a </a:t>
-            </a:r>
-            <a:r>
-              <a:rPr lang="en-US" dirty="0" smtClean="0"/>
-              <a:t>depot/s. ( with necessary restrictions or relaxations like…)</a:t>
+              <a:t>WHY ?</a:t>
             </a:r>
             <a:endParaRPr lang="en-US" dirty="0"/>
           </a:p>
-          <a:p>
-            <a:r>
-              <a:rPr lang="en-US" dirty="0" smtClean="0"/>
-              <a:t>Application in the fields of transportation, distribution, and logistics.</a:t>
-            </a:r>
-          </a:p>
-          <a:p>
-            <a:endParaRPr lang="en-US" dirty="0"/>
-          </a:p>
-        </p:txBody>
-      </p:sp>
+        </p:txBody>
+      </p:sp>
+      <p:pic>
+        <p:nvPicPr>
+          <p:cNvPr id="10" name="Content Placeholder 9"/>
+          <p:cNvPicPr>
+            <a:picLocks noGrp="1" noChangeAspect="1"/>
+          </p:cNvPicPr>
+          <p:nvPr>
+            <p:ph idx="1"/>
+          </p:nvPr>
+        </p:nvPicPr>
+        <p:blipFill>
+          <a:blip r:embed="rId2">
+            <a:extLst>
+              <a:ext uri="{28A0092B-C50C-407E-A947-70E740481C1C}">
+                <a14:useLocalDpi xmlns:a14="http://schemas.microsoft.com/office/drawing/2010/main" val="0"/>
+              </a:ext>
+            </a:extLst>
+          </a:blip>
+          <a:stretch>
+            <a:fillRect/>
+          </a:stretch>
+        </p:blipFill>
+        <p:spPr>
+          <a:xfrm>
+            <a:off x="3144890" y="1864360"/>
+            <a:ext cx="5963179" cy="4472385"/>
+          </a:xfrm>
+        </p:spPr>
+      </p:pic>
+    </p:spTree>
+    <p:extLst>
+      <p:ext uri="{BB962C8B-B14F-4D97-AF65-F5344CB8AC3E}">
+        <p14:creationId xmlns:p14="http://schemas.microsoft.com/office/powerpoint/2010/main" val="2378788354"/>
+      </p:ext>
+    </p:extLst>
+  </p:cSld>
+  <p:clrMapOvr>
+    <a:masterClrMapping/>
+  </p:clrMapOvr>
+  <p:timing>
+    <p:tnLst>
+      <p:par>
+        <p:cTn id="1" dur="indefinite" restart="never" nodeType="tmRoot"/>
+      </p:par>
+    </p:tnLst>
+  </p:timing>
+</p:sld>
+</file>
+
+<file path=ppt/slides/slide7.xml><?xml version="1.0" encoding="utf-8"?>
+<p:sld xmlns:a="http://schemas.openxmlformats.org/drawingml/2006/main" xmlns:r="http://schemas.openxmlformats.org/officeDocument/2006/relationships" xmlns:p="http://schemas.openxmlformats.org/presentationml/2006/main">
+  <p:cSld>
+    <p:spTree>
+      <p:nvGrpSpPr>
+        <p:cNvPr id="1" name=""/>
+        <p:cNvGrpSpPr/>
+        <p:nvPr/>
+      </p:nvGrpSpPr>
+      <p:grpSpPr>
+        <a:xfrm>
+          <a:off x="0" y="0"/>
+          <a:ext cx="0" cy="0"/>
+          <a:chOff x="0" y="0"/>
+          <a:chExt cx="0" cy="0"/>
+        </a:xfrm>
+      </p:grpSpPr>
       <p:pic>
         <p:nvPicPr>
           <p:cNvPr id="4" name="Picture 3"/>
@@ -4277,8 +6516,128 @@
         </p:blipFill>
         <p:spPr>
           <a:xfrm>
-            <a:off x="3302703" y="2388358"/>
-            <a:ext cx="4713082" cy="2044300"/>
+            <a:off x="724673" y="231262"/>
+            <a:ext cx="4143727" cy="2765938"/>
+          </a:xfrm>
+          <a:prstGeom prst="rect">
+            <a:avLst/>
+          </a:prstGeom>
+        </p:spPr>
+      </p:pic>
+      <p:pic>
+        <p:nvPicPr>
+          <p:cNvPr id="5" name="Content Placeholder 3"/>
+          <p:cNvPicPr>
+            <a:picLocks noChangeAspect="1"/>
+          </p:cNvPicPr>
+          <p:nvPr/>
+        </p:nvPicPr>
+        <p:blipFill>
+          <a:blip r:embed="rId3" cstate="print">
+            <a:extLst>
+              <a:ext uri="{28A0092B-C50C-407E-A947-70E740481C1C}">
+                <a14:useLocalDpi xmlns:a14="http://schemas.microsoft.com/office/drawing/2010/main" val="0"/>
+              </a:ext>
+            </a:extLst>
+          </a:blip>
+          <a:stretch>
+            <a:fillRect/>
+          </a:stretch>
+        </p:blipFill>
+        <p:spPr>
+          <a:xfrm>
+            <a:off x="724673" y="3308212"/>
+            <a:ext cx="4114027" cy="2824966"/>
+          </a:xfrm>
+          <a:prstGeom prst="rect">
+            <a:avLst/>
+          </a:prstGeom>
+        </p:spPr>
+      </p:pic>
+      <p:pic>
+        <p:nvPicPr>
+          <p:cNvPr id="7" name="Picture 6"/>
+          <p:cNvPicPr>
+            <a:picLocks noChangeAspect="1"/>
+          </p:cNvPicPr>
+          <p:nvPr/>
+        </p:nvPicPr>
+        <p:blipFill>
+          <a:blip r:embed="rId4" cstate="print">
+            <a:extLst>
+              <a:ext uri="{28A0092B-C50C-407E-A947-70E740481C1C}">
+                <a14:useLocalDpi xmlns:a14="http://schemas.microsoft.com/office/drawing/2010/main" val="0"/>
+              </a:ext>
+            </a:extLst>
+          </a:blip>
+          <a:stretch>
+            <a:fillRect/>
+          </a:stretch>
+        </p:blipFill>
+        <p:spPr>
+          <a:xfrm>
+            <a:off x="7200900" y="-342900"/>
+            <a:ext cx="3695700" cy="2614708"/>
+          </a:xfrm>
+          <a:prstGeom prst="rect">
+            <a:avLst/>
+          </a:prstGeom>
+        </p:spPr>
+      </p:pic>
+      <p:pic>
+        <p:nvPicPr>
+          <p:cNvPr id="6" name="Picture 5"/>
+          <p:cNvPicPr>
+            <a:picLocks noChangeAspect="1"/>
+          </p:cNvPicPr>
+          <p:nvPr/>
+        </p:nvPicPr>
+        <p:blipFill>
+          <a:blip r:embed="rId5">
+            <a:extLst>
+              <a:ext uri="{28A0092B-C50C-407E-A947-70E740481C1C}">
+                <a14:useLocalDpi xmlns:a14="http://schemas.microsoft.com/office/drawing/2010/main" val="0"/>
+              </a:ext>
+            </a:extLst>
+          </a:blip>
+          <a:stretch>
+            <a:fillRect/>
+          </a:stretch>
+        </p:blipFill>
+        <p:spPr>
+          <a:xfrm>
+            <a:off x="6889047" y="2010960"/>
+            <a:ext cx="4319406" cy="2709735"/>
+          </a:xfrm>
+          <a:prstGeom prst="rect">
+            <a:avLst/>
+          </a:prstGeom>
+        </p:spPr>
+      </p:pic>
+      <p:pic>
+        <p:nvPicPr>
+          <p:cNvPr id="8" name="Picture 7"/>
+          <p:cNvPicPr>
+            <a:picLocks noChangeAspect="1"/>
+          </p:cNvPicPr>
+          <p:nvPr/>
+        </p:nvPicPr>
+        <p:blipFill>
+          <a:blip r:embed="rId6" cstate="print">
+            <a:extLst>
+              <a:ext uri="{28A0092B-C50C-407E-A947-70E740481C1C}">
+                <a14:useLocalDpi xmlns:a14="http://schemas.microsoft.com/office/drawing/2010/main" val="0"/>
+              </a:ext>
+            </a:extLst>
+          </a:blip>
+          <a:stretch>
+            <a:fillRect/>
+          </a:stretch>
+        </p:blipFill>
+        <p:spPr>
+          <a:xfrm>
+            <a:off x="8166752" y="4771495"/>
+            <a:ext cx="1763996" cy="1380930"/>
           </a:xfrm>
           <a:prstGeom prst="rect">
             <a:avLst/>
@@ -4288,17 +6647,24 @@
     </p:spTree>
     <p:extLst>
       <p:ext uri="{BB962C8B-B14F-4D97-AF65-F5344CB8AC3E}">
-        <p14:creationId xmlns:p14="http://schemas.microsoft.com/office/powerpoint/2010/main" val="3872917145"/>
+        <p14:creationId xmlns:p14="http://schemas.microsoft.com/office/powerpoint/2010/main" val="3605265852"/>
       </p:ext>
     </p:extLst>
   </p:cSld>
   <p:clrMapOvr>
     <a:masterClrMapping/>
   </p:clrMapOvr>
+  <p:timing>
+    <p:tnLst>
+      <p:par>
+        <p:cTn id="1" dur="indefinite" restart="never" nodeType="tmRoot"/>
+      </p:par>
+    </p:tnLst>
+  </p:timing>
 </p:sld>
 </file>
 
-<file path=ppt/slides/slide5.xml><?xml version="1.0" encoding="utf-8"?>
+<file path=ppt/slides/slide8.xml><?xml version="1.0" encoding="utf-8"?>
 <p:sld xmlns:a="http://schemas.openxmlformats.org/drawingml/2006/main" xmlns:r="http://schemas.openxmlformats.org/officeDocument/2006/relationships" xmlns:p="http://schemas.openxmlformats.org/presentationml/2006/main">
   <p:cSld>
     <p:spTree>
@@ -4315,72 +6681,117 @@
           <a:chExt cx="0" cy="0"/>
         </a:xfrm>
       </p:grpSpPr>
-      <p:sp>
-        <p:nvSpPr>
-          <p:cNvPr id="2" name="Title 1"/>
-          <p:cNvSpPr>
-            <a:spLocks noGrp="1"/>
-          </p:cNvSpPr>
-          <p:nvPr>
-            <p:ph type="title"/>
-          </p:nvPr>
-        </p:nvSpPr>
-        <p:spPr/>
-        <p:txBody>
-          <a:bodyPr/>
-          <a:lstStyle/>
-          <a:p>
-            <a:r>
-              <a:rPr lang="en-US" dirty="0" smtClean="0"/>
-              <a:t>HOW ? </a:t>
-            </a:r>
-            <a:endParaRPr lang="en-US" dirty="0"/>
-          </a:p>
-        </p:txBody>
-      </p:sp>
-      <p:sp>
-        <p:nvSpPr>
-          <p:cNvPr id="3" name="Content Placeholder 2"/>
-          <p:cNvSpPr>
-            <a:spLocks noGrp="1"/>
-          </p:cNvSpPr>
-          <p:nvPr>
-            <p:ph idx="1"/>
-          </p:nvPr>
-        </p:nvSpPr>
-        <p:spPr/>
-        <p:txBody>
-          <a:bodyPr/>
-          <a:lstStyle/>
-          <a:p>
-            <a:r>
-              <a:rPr lang="en-US" dirty="0" smtClean="0"/>
-              <a:t>Approach – </a:t>
-            </a:r>
-          </a:p>
-          <a:p>
-            <a:r>
-              <a:rPr lang="en-US" dirty="0" smtClean="0"/>
-              <a:t>Evaluation -</a:t>
-            </a:r>
-            <a:endParaRPr lang="en-US" dirty="0"/>
-          </a:p>
-        </p:txBody>
-      </p:sp>
+      <p:pic>
+        <p:nvPicPr>
+          <p:cNvPr id="2" name="Picture 1"/>
+          <p:cNvPicPr>
+            <a:picLocks noChangeAspect="1"/>
+          </p:cNvPicPr>
+          <p:nvPr/>
+        </p:nvPicPr>
+        <p:blipFill>
+          <a:blip r:embed="rId2">
+            <a:extLst>
+              <a:ext uri="{28A0092B-C50C-407E-A947-70E740481C1C}">
+                <a14:useLocalDpi xmlns:a14="http://schemas.microsoft.com/office/drawing/2010/main" val="0"/>
+              </a:ext>
+            </a:extLst>
+          </a:blip>
+          <a:stretch>
+            <a:fillRect/>
+          </a:stretch>
+        </p:blipFill>
+        <p:spPr>
+          <a:xfrm>
+            <a:off x="638249" y="189508"/>
+            <a:ext cx="6524551" cy="5944591"/>
+          </a:xfrm>
+          <a:prstGeom prst="rect">
+            <a:avLst/>
+          </a:prstGeom>
+        </p:spPr>
+      </p:pic>
+      <p:pic>
+        <p:nvPicPr>
+          <p:cNvPr id="3" name="Picture 2"/>
+          <p:cNvPicPr>
+            <a:picLocks noChangeAspect="1"/>
+          </p:cNvPicPr>
+          <p:nvPr/>
+        </p:nvPicPr>
+        <p:blipFill>
+          <a:blip r:embed="rId3" cstate="print">
+            <a:extLst>
+              <a:ext uri="{28A0092B-C50C-407E-A947-70E740481C1C}">
+                <a14:useLocalDpi xmlns:a14="http://schemas.microsoft.com/office/drawing/2010/main" val="0"/>
+              </a:ext>
+            </a:extLst>
+          </a:blip>
+          <a:stretch>
+            <a:fillRect/>
+          </a:stretch>
+        </p:blipFill>
+        <p:spPr>
+          <a:xfrm>
+            <a:off x="7785314" y="3362324"/>
+            <a:ext cx="3758985" cy="2771775"/>
+          </a:xfrm>
+          <a:prstGeom prst="rect">
+            <a:avLst/>
+          </a:prstGeom>
+        </p:spPr>
+      </p:pic>
+      <p:pic>
+        <p:nvPicPr>
+          <p:cNvPr id="4" name="Picture 3"/>
+          <p:cNvPicPr>
+            <a:picLocks noChangeAspect="1"/>
+          </p:cNvPicPr>
+          <p:nvPr/>
+        </p:nvPicPr>
+        <p:blipFill>
+          <a:blip r:embed="rId4">
+            <a:extLst>
+              <a:ext uri="{28A0092B-C50C-407E-A947-70E740481C1C}">
+                <a14:useLocalDpi xmlns:a14="http://schemas.microsoft.com/office/drawing/2010/main" val="0"/>
+              </a:ext>
+            </a:extLst>
+          </a:blip>
+          <a:stretch>
+            <a:fillRect/>
+          </a:stretch>
+        </p:blipFill>
+        <p:spPr>
+          <a:xfrm>
+            <a:off x="7785314" y="189508"/>
+            <a:ext cx="3758985" cy="2685897"/>
+          </a:xfrm>
+          <a:prstGeom prst="rect">
+            <a:avLst/>
+          </a:prstGeom>
+        </p:spPr>
+      </p:pic>
     </p:spTree>
     <p:extLst>
       <p:ext uri="{BB962C8B-B14F-4D97-AF65-F5344CB8AC3E}">
-        <p14:creationId xmlns:p14="http://schemas.microsoft.com/office/powerpoint/2010/main" val="2388560303"/>
+        <p14:creationId xmlns:p14="http://schemas.microsoft.com/office/powerpoint/2010/main" val="2829028124"/>
       </p:ext>
     </p:extLst>
   </p:cSld>
   <p:clrMapOvr>
     <a:masterClrMapping/>
   </p:clrMapOvr>
+  <p:timing>
+    <p:tnLst>
+      <p:par>
+        <p:cTn id="1" dur="indefinite" restart="never" nodeType="tmRoot"/>
+      </p:par>
+    </p:tnLst>
+  </p:timing>
 </p:sld>
 </file>
 
-<file path=ppt/slides/slide6.xml><?xml version="1.0" encoding="utf-8"?>
+<file path=ppt/slides/slide9.xml><?xml version="1.0" encoding="utf-8"?>
 <p:sld xmlns:a="http://schemas.openxmlformats.org/drawingml/2006/main" xmlns:r="http://schemas.openxmlformats.org/officeDocument/2006/relationships" xmlns:p="http://schemas.openxmlformats.org/presentationml/2006/main">
   <p:cSld>
     <p:spTree>
@@ -4397,195 +6808,83 @@
           <a:chExt cx="0" cy="0"/>
         </a:xfrm>
       </p:grpSpPr>
-      <p:sp>
-        <p:nvSpPr>
-          <p:cNvPr id="2" name="Title 1"/>
-          <p:cNvSpPr>
-            <a:spLocks noGrp="1"/>
-          </p:cNvSpPr>
-          <p:nvPr>
-            <p:ph type="title"/>
-          </p:nvPr>
-        </p:nvSpPr>
-        <p:spPr/>
-        <p:txBody>
-          <a:bodyPr/>
-          <a:lstStyle/>
-          <a:p>
-            <a:r>
-              <a:rPr lang="en-US" dirty="0" smtClean="0"/>
-              <a:t>Team Roles</a:t>
-            </a:r>
-            <a:endParaRPr lang="en-US" dirty="0"/>
-          </a:p>
-        </p:txBody>
-      </p:sp>
-      <p:sp>
-        <p:nvSpPr>
-          <p:cNvPr id="3" name="Content Placeholder 2"/>
-          <p:cNvSpPr>
-            <a:spLocks noGrp="1"/>
-          </p:cNvSpPr>
-          <p:nvPr>
-            <p:ph idx="1"/>
-          </p:nvPr>
-        </p:nvSpPr>
-        <p:spPr/>
-        <p:txBody>
-          <a:bodyPr/>
-          <a:lstStyle/>
-          <a:p>
-            <a:r>
-              <a:rPr lang="en-US" dirty="0" smtClean="0"/>
-              <a:t>Jay </a:t>
-            </a:r>
-            <a:r>
-              <a:rPr lang="en-US" dirty="0" err="1" smtClean="0"/>
-              <a:t>Turakhia</a:t>
-            </a:r>
-            <a:endParaRPr lang="en-US" dirty="0" smtClean="0"/>
-          </a:p>
-          <a:p>
-            <a:r>
-              <a:rPr lang="en-US" dirty="0" err="1" smtClean="0"/>
-              <a:t>Shlok</a:t>
-            </a:r>
-            <a:r>
-              <a:rPr lang="en-US" dirty="0" smtClean="0"/>
-              <a:t> Gandhi</a:t>
-            </a:r>
-          </a:p>
-          <a:p>
-            <a:r>
-              <a:rPr lang="en-US" dirty="0" err="1" smtClean="0"/>
-              <a:t>Chirayu</a:t>
-            </a:r>
-            <a:r>
-              <a:rPr lang="en-US" dirty="0" smtClean="0"/>
-              <a:t> Desai</a:t>
-            </a:r>
-            <a:endParaRPr lang="en-US" dirty="0"/>
-          </a:p>
-        </p:txBody>
-      </p:sp>
+      <p:pic>
+        <p:nvPicPr>
+          <p:cNvPr id="2" name="Picture 1"/>
+          <p:cNvPicPr>
+            <a:picLocks noChangeAspect="1"/>
+          </p:cNvPicPr>
+          <p:nvPr/>
+        </p:nvPicPr>
+        <p:blipFill>
+          <a:blip r:embed="rId2">
+            <a:extLst>
+              <a:ext uri="{28A0092B-C50C-407E-A947-70E740481C1C}">
+                <a14:useLocalDpi xmlns:a14="http://schemas.microsoft.com/office/drawing/2010/main" val="0"/>
+              </a:ext>
+            </a:extLst>
+          </a:blip>
+          <a:stretch>
+            <a:fillRect/>
+          </a:stretch>
+        </p:blipFill>
+        <p:spPr>
+          <a:xfrm>
+            <a:off x="0" y="-508000"/>
+            <a:ext cx="12192000" cy="6858000"/>
+          </a:xfrm>
+          <a:prstGeom prst="rect">
+            <a:avLst/>
+          </a:prstGeom>
+        </p:spPr>
+      </p:pic>
+      <p:pic>
+        <p:nvPicPr>
+          <p:cNvPr id="4" name="Picture 3"/>
+          <p:cNvPicPr>
+            <a:picLocks noChangeAspect="1"/>
+          </p:cNvPicPr>
+          <p:nvPr/>
+        </p:nvPicPr>
+        <p:blipFill>
+          <a:blip r:embed="rId3" cstate="print">
+            <a:extLst>
+              <a:ext uri="{28A0092B-C50C-407E-A947-70E740481C1C}">
+                <a14:useLocalDpi xmlns:a14="http://schemas.microsoft.com/office/drawing/2010/main" val="0"/>
+              </a:ext>
+            </a:extLst>
+          </a:blip>
+          <a:stretch>
+            <a:fillRect/>
+          </a:stretch>
+        </p:blipFill>
+        <p:spPr>
+          <a:xfrm>
+            <a:off x="9106673" y="4057488"/>
+            <a:ext cx="2858219" cy="2571912"/>
+          </a:xfrm>
+          <a:prstGeom prst="rect">
+            <a:avLst/>
+          </a:prstGeom>
+        </p:spPr>
+      </p:pic>
     </p:spTree>
     <p:extLst>
       <p:ext uri="{BB962C8B-B14F-4D97-AF65-F5344CB8AC3E}">
-        <p14:creationId xmlns:p14="http://schemas.microsoft.com/office/powerpoint/2010/main" val="2703148328"/>
+        <p14:creationId xmlns:p14="http://schemas.microsoft.com/office/powerpoint/2010/main" val="3032749978"/>
       </p:ext>
     </p:extLst>
   </p:cSld>
   <p:clrMapOvr>
     <a:masterClrMapping/>
   </p:clrMapOvr>
-</p:sld>
-</file>
-
-<file path=ppt/slides/slide7.xml><?xml version="1.0" encoding="utf-8"?>
-<p:sld xmlns:a="http://schemas.openxmlformats.org/drawingml/2006/main" xmlns:r="http://schemas.openxmlformats.org/officeDocument/2006/relationships" xmlns:p="http://schemas.openxmlformats.org/presentationml/2006/main">
-  <p:cSld>
-    <p:spTree>
-      <p:nvGrpSpPr>
-        <p:cNvPr id="1" name=""/>
-        <p:cNvGrpSpPr/>
-        <p:nvPr/>
-      </p:nvGrpSpPr>
-      <p:grpSpPr>
-        <a:xfrm>
-          <a:off x="0" y="0"/>
-          <a:ext cx="0" cy="0"/>
-          <a:chOff x="0" y="0"/>
-          <a:chExt cx="0" cy="0"/>
-        </a:xfrm>
-      </p:grpSpPr>
-      <p:sp>
-        <p:nvSpPr>
-          <p:cNvPr id="2" name="Title 1"/>
-          <p:cNvSpPr>
-            <a:spLocks noGrp="1"/>
-          </p:cNvSpPr>
-          <p:nvPr>
-            <p:ph type="title"/>
-          </p:nvPr>
-        </p:nvSpPr>
-        <p:spPr/>
-        <p:txBody>
-          <a:bodyPr/>
-          <a:lstStyle/>
-          <a:p>
-            <a:r>
-              <a:rPr lang="en-US" dirty="0" smtClean="0"/>
-              <a:t>References</a:t>
-            </a:r>
-            <a:endParaRPr lang="en-US" dirty="0"/>
-          </a:p>
-        </p:txBody>
-      </p:sp>
-      <p:sp>
-        <p:nvSpPr>
-          <p:cNvPr id="3" name="Content Placeholder 2"/>
-          <p:cNvSpPr>
-            <a:spLocks noGrp="1"/>
-          </p:cNvSpPr>
-          <p:nvPr>
-            <p:ph idx="1"/>
-          </p:nvPr>
-        </p:nvSpPr>
-        <p:spPr/>
-        <p:txBody>
-          <a:bodyPr/>
-          <a:lstStyle/>
-          <a:p>
-            <a:r>
-              <a:rPr lang="en-US" dirty="0">
-                <a:hlinkClick r:id="rId2"/>
-              </a:rPr>
-              <a:t>http://</a:t>
-            </a:r>
-            <a:r>
-              <a:rPr lang="en-US" dirty="0" smtClean="0">
-                <a:hlinkClick r:id="rId2"/>
-              </a:rPr>
-              <a:t>www.orcomplete.com/computer/sertalpbilal/solving-vehicle-routing-problem</a:t>
-            </a:r>
-            <a:r>
-              <a:rPr lang="en-US" dirty="0" smtClean="0"/>
-              <a:t> </a:t>
-            </a:r>
-          </a:p>
-          <a:p>
-            <a:r>
-              <a:rPr lang="en-US" dirty="0">
-                <a:hlinkClick r:id="rId3"/>
-              </a:rPr>
-              <a:t>http://neo.lcc.uma.es/vrp/vehicle-routing-problem</a:t>
-            </a:r>
-            <a:r>
-              <a:rPr lang="en-US" dirty="0" smtClean="0">
-                <a:hlinkClick r:id="rId3"/>
-              </a:rPr>
-              <a:t>/</a:t>
-            </a:r>
-            <a:r>
-              <a:rPr lang="en-US" dirty="0" smtClean="0"/>
-              <a:t> </a:t>
-            </a:r>
-          </a:p>
-          <a:p>
-            <a:endParaRPr lang="en-US" dirty="0"/>
-          </a:p>
-        </p:txBody>
-      </p:sp>
-    </p:spTree>
-    <p:extLst>
-      <p:ext uri="{BB962C8B-B14F-4D97-AF65-F5344CB8AC3E}">
-        <p14:creationId xmlns:p14="http://schemas.microsoft.com/office/powerpoint/2010/main" val="1710598901"/>
-      </p:ext>
-    </p:extLst>
-  </p:cSld>
-  <p:clrMapOvr>
-    <a:masterClrMapping/>
-  </p:clrMapOvr>
+  <p:timing>
+    <p:tnLst>
+      <p:par>
+        <p:cTn id="1" dur="indefinite" restart="never" nodeType="tmRoot"/>
+      </p:par>
+    </p:tnLst>
+  </p:timing>
 </p:sld>
 </file>
 
@@ -4870,4 +7169,265 @@
     </a:ext>
   </a:extLst>
 </a:theme>
+</file>
+
+<file path=ppt/theme/theme2.xml><?xml version="1.0" encoding="utf-8"?>
+<a:theme xmlns:a="http://schemas.openxmlformats.org/drawingml/2006/main" name="Office Theme">
+  <a:themeElements>
+    <a:clrScheme name="Office">
+      <a:dk1>
+        <a:sysClr val="windowText" lastClr="000000"/>
+      </a:dk1>
+      <a:lt1>
+        <a:sysClr val="window" lastClr="FFFFFF"/>
+      </a:lt1>
+      <a:dk2>
+        <a:srgbClr val="44546A"/>
+      </a:dk2>
+      <a:lt2>
+        <a:srgbClr val="E7E6E6"/>
+      </a:lt2>
+      <a:accent1>
+        <a:srgbClr val="5B9BD5"/>
+      </a:accent1>
+      <a:accent2>
+        <a:srgbClr val="ED7D31"/>
+      </a:accent2>
+      <a:accent3>
+        <a:srgbClr val="A5A5A5"/>
+      </a:accent3>
+      <a:accent4>
+        <a:srgbClr val="FFC000"/>
+      </a:accent4>
+      <a:accent5>
+        <a:srgbClr val="4472C4"/>
+      </a:accent5>
+      <a:accent6>
+        <a:srgbClr val="70AD47"/>
+      </a:accent6>
+      <a:hlink>
+        <a:srgbClr val="0563C1"/>
+      </a:hlink>
+      <a:folHlink>
+        <a:srgbClr val="954F72"/>
+      </a:folHlink>
+    </a:clrScheme>
+    <a:fontScheme name="Office">
+      <a:majorFont>
+        <a:latin typeface="Calibri Light" panose="020F0302020204030204"/>
+        <a:ea typeface=""/>
+        <a:cs typeface=""/>
+        <a:font script="Jpan" typeface="ＭＳ Ｐゴシック"/>
+        <a:font script="Hang" typeface="맑은 고딕"/>
+        <a:font script="Hans" typeface="宋体"/>
+        <a:font script="Hant" typeface="新細明體"/>
+        <a:font script="Arab" typeface="Times New Roman"/>
+        <a:font script="Hebr" typeface="Times New Roman"/>
+        <a:font script="Thai" typeface="Angsana New"/>
+        <a:font script="Ethi" typeface="Nyala"/>
+        <a:font script="Beng" typeface="Vrinda"/>
+        <a:font script="Gujr" typeface="Shruti"/>
+        <a:font script="Khmr" typeface="MoolBoran"/>
+        <a:font script="Knda" typeface="Tunga"/>
+        <a:font script="Guru" typeface="Raavi"/>
+        <a:font script="Cans" typeface="Euphemia"/>
+        <a:font script="Cher" typeface="Plantagenet Cherokee"/>
+        <a:font script="Yiii" typeface="Microsoft Yi Baiti"/>
+        <a:font script="Tibt" typeface="Microsoft Himalaya"/>
+        <a:font script="Thaa" typeface="MV Boli"/>
+        <a:font script="Deva" typeface="Mangal"/>
+        <a:font script="Telu" typeface="Gautami"/>
+        <a:font script="Taml" typeface="Latha"/>
+        <a:font script="Syrc" typeface="Estrangelo Edessa"/>
+        <a:font script="Orya" typeface="Kalinga"/>
+        <a:font script="Mlym" typeface="Kartika"/>
+        <a:font script="Laoo" typeface="DokChampa"/>
+        <a:font script="Sinh" typeface="Iskoola Pota"/>
+        <a:font script="Mong" typeface="Mongolian Baiti"/>
+        <a:font script="Viet" typeface="Times New Roman"/>
+        <a:font script="Uigh" typeface="Microsoft Uighur"/>
+        <a:font script="Geor" typeface="Sylfaen"/>
+      </a:majorFont>
+      <a:minorFont>
+        <a:latin typeface="Calibri" panose="020F0502020204030204"/>
+        <a:ea typeface=""/>
+        <a:cs typeface=""/>
+        <a:font script="Jpan" typeface="ＭＳ Ｐゴシック"/>
+        <a:font script="Hang" typeface="맑은 고딕"/>
+        <a:font script="Hans" typeface="宋体"/>
+        <a:font script="Hant" typeface="新細明體"/>
+        <a:font script="Arab" typeface="Arial"/>
+        <a:font script="Hebr" typeface="Arial"/>
+        <a:font script="Thai" typeface="Cordia New"/>
+        <a:font script="Ethi" typeface="Nyala"/>
+        <a:font script="Beng" typeface="Vrinda"/>
+        <a:font script="Gujr" typeface="Shruti"/>
+        <a:font script="Khmr" typeface="DaunPenh"/>
+        <a:font script="Knda" typeface="Tunga"/>
+        <a:font script="Guru" typeface="Raavi"/>
+        <a:font script="Cans" typeface="Euphemia"/>
+        <a:font script="Cher" typeface="Plantagenet Cherokee"/>
+        <a:font script="Yiii" typeface="Microsoft Yi Baiti"/>
+        <a:font script="Tibt" typeface="Microsoft Himalaya"/>
+        <a:font script="Thaa" typeface="MV Boli"/>
+        <a:font script="Deva" typeface="Mangal"/>
+        <a:font script="Telu" typeface="Gautami"/>
+        <a:font script="Taml" typeface="Latha"/>
+        <a:font script="Syrc" typeface="Estrangelo Edessa"/>
+        <a:font script="Orya" typeface="Kalinga"/>
+        <a:font script="Mlym" typeface="Kartika"/>
+        <a:font script="Laoo" typeface="DokChampa"/>
+        <a:font script="Sinh" typeface="Iskoola Pota"/>
+        <a:font script="Mong" typeface="Mongolian Baiti"/>
+        <a:font script="Viet" typeface="Arial"/>
+        <a:font script="Uigh" typeface="Microsoft Uighur"/>
+        <a:font script="Geor" typeface="Sylfaen"/>
+      </a:minorFont>
+    </a:fontScheme>
+    <a:fmtScheme name="Office">
+      <a:fillStyleLst>
+        <a:solidFill>
+          <a:schemeClr val="phClr"/>
+        </a:solidFill>
+        <a:gradFill rotWithShape="1">
+          <a:gsLst>
+            <a:gs pos="0">
+              <a:schemeClr val="phClr">
+                <a:lumMod val="110000"/>
+                <a:satMod val="105000"/>
+                <a:tint val="67000"/>
+              </a:schemeClr>
+            </a:gs>
+            <a:gs pos="50000">
+              <a:schemeClr val="phClr">
+                <a:lumMod val="105000"/>
+                <a:satMod val="103000"/>
+                <a:tint val="73000"/>
+              </a:schemeClr>
+            </a:gs>
+            <a:gs pos="100000">
+              <a:schemeClr val="phClr">
+                <a:lumMod val="105000"/>
+                <a:satMod val="109000"/>
+                <a:tint val="81000"/>
+              </a:schemeClr>
+            </a:gs>
+          </a:gsLst>
+          <a:lin ang="5400000" scaled="0"/>
+        </a:gradFill>
+        <a:gradFill rotWithShape="1">
+          <a:gsLst>
+            <a:gs pos="0">
+              <a:schemeClr val="phClr">
+                <a:satMod val="103000"/>
+                <a:lumMod val="102000"/>
+                <a:tint val="94000"/>
+              </a:schemeClr>
+            </a:gs>
+            <a:gs pos="50000">
+              <a:schemeClr val="phClr">
+                <a:satMod val="110000"/>
+                <a:lumMod val="100000"/>
+                <a:shade val="100000"/>
+              </a:schemeClr>
+            </a:gs>
+            <a:gs pos="100000">
+              <a:schemeClr val="phClr">
+                <a:lumMod val="99000"/>
+                <a:satMod val="120000"/>
+                <a:shade val="78000"/>
+              </a:schemeClr>
+            </a:gs>
+          </a:gsLst>
+          <a:lin ang="5400000" scaled="0"/>
+        </a:gradFill>
+      </a:fillStyleLst>
+      <a:lnStyleLst>
+        <a:ln w="6350" cap="flat" cmpd="sng" algn="ctr">
+          <a:solidFill>
+            <a:schemeClr val="phClr"/>
+          </a:solidFill>
+          <a:prstDash val="solid"/>
+          <a:miter lim="800000"/>
+        </a:ln>
+        <a:ln w="12700" cap="flat" cmpd="sng" algn="ctr">
+          <a:solidFill>
+            <a:schemeClr val="phClr"/>
+          </a:solidFill>
+          <a:prstDash val="solid"/>
+          <a:miter lim="800000"/>
+        </a:ln>
+        <a:ln w="19050" cap="flat" cmpd="sng" algn="ctr">
+          <a:solidFill>
+            <a:schemeClr val="phClr"/>
+          </a:solidFill>
+          <a:prstDash val="solid"/>
+          <a:miter lim="800000"/>
+        </a:ln>
+      </a:lnStyleLst>
+      <a:effectStyleLst>
+        <a:effectStyle>
+          <a:effectLst/>
+        </a:effectStyle>
+        <a:effectStyle>
+          <a:effectLst/>
+        </a:effectStyle>
+        <a:effectStyle>
+          <a:effectLst>
+            <a:outerShdw blurRad="57150" dist="19050" dir="5400000" algn="ctr" rotWithShape="0">
+              <a:srgbClr val="000000">
+                <a:alpha val="63000"/>
+              </a:srgbClr>
+            </a:outerShdw>
+          </a:effectLst>
+        </a:effectStyle>
+      </a:effectStyleLst>
+      <a:bgFillStyleLst>
+        <a:solidFill>
+          <a:schemeClr val="phClr"/>
+        </a:solidFill>
+        <a:solidFill>
+          <a:schemeClr val="phClr">
+            <a:tint val="95000"/>
+            <a:satMod val="170000"/>
+          </a:schemeClr>
+        </a:solidFill>
+        <a:gradFill rotWithShape="1">
+          <a:gsLst>
+            <a:gs pos="0">
+              <a:schemeClr val="phClr">
+                <a:tint val="93000"/>
+                <a:satMod val="150000"/>
+                <a:shade val="98000"/>
+                <a:lumMod val="102000"/>
+              </a:schemeClr>
+            </a:gs>
+            <a:gs pos="50000">
+              <a:schemeClr val="phClr">
+                <a:tint val="98000"/>
+                <a:satMod val="130000"/>
+                <a:shade val="90000"/>
+                <a:lumMod val="103000"/>
+              </a:schemeClr>
+            </a:gs>
+            <a:gs pos="100000">
+              <a:schemeClr val="phClr">
+                <a:shade val="63000"/>
+                <a:satMod val="120000"/>
+              </a:schemeClr>
+            </a:gs>
+          </a:gsLst>
+          <a:lin ang="5400000" scaled="0"/>
+        </a:gradFill>
+      </a:bgFillStyleLst>
+    </a:fmtScheme>
+  </a:themeElements>
+  <a:objectDefaults/>
+  <a:extraClrSchemeLst/>
+  <a:extLst>
+    <a:ext uri="{05A4C25C-085E-4340-85A3-A5531E510DB2}">
+      <thm15:themeFamily xmlns:thm15="http://schemas.microsoft.com/office/thememl/2012/main" name="Office Theme" id="{62F939B6-93AF-4DB8-9C6B-D6C7DFDC589F}" vid="{4A3C46E8-61CC-4603-A589-7422A47A8E4A}"/>
+    </a:ext>
+  </a:extLst>
+</a:theme>
 </file>